--- a/2016/ILN001MAD/2_FLL/docs/november/20151103_Exercises.pptx
+++ b/2016/ILN001MAD/2_FLL/docs/november/20151103_Exercises.pptx
@@ -1,118 +1,24 @@
 
 <file path=ppt/presentation.xml><?xml version="1.0" encoding="utf-8"?>
-<p:presentation xmlns:a="http://schemas.openxmlformats.org/drawingml/2006/main" xmlns:r="http://schemas.openxmlformats.org/officeDocument/2006/relationships" xmlns:p="http://schemas.openxmlformats.org/presentationml/2006/main">
+<p:presentation xmlns:a="http://schemas.openxmlformats.org/drawingml/2006/main" xmlns:p="http://schemas.openxmlformats.org/presentationml/2006/main" xmlns:r="http://schemas.openxmlformats.org/officeDocument/2006/relationships">
   <p:sldMasterIdLst>
-    <p:sldMasterId id="2147483648" r:id="rId1"/>
+    <p:sldMasterId id="2147483648" r:id="rId2"/>
+    <p:sldMasterId id="2147483661" r:id="rId3"/>
   </p:sldMasterIdLst>
   <p:sldIdLst>
-    <p:sldId id="256" r:id="rId2"/>
-    <p:sldId id="258" r:id="rId3"/>
-    <p:sldId id="259" r:id="rId4"/>
-    <p:sldId id="260" r:id="rId5"/>
-    <p:sldId id="261" r:id="rId6"/>
+    <p:sldId id="256" r:id="rId4"/>
+    <p:sldId id="257" r:id="rId5"/>
+    <p:sldId id="258" r:id="rId6"/>
+    <p:sldId id="259" r:id="rId7"/>
+    <p:sldId id="260" r:id="rId8"/>
   </p:sldIdLst>
-  <p:sldSz cx="9144000" cy="6858000" type="screen4x3"/>
-  <p:notesSz cx="7559675" cy="10691813"/>
-  <p:defaultTextStyle>
-    <a:defPPr>
-      <a:defRPr lang="en-US"/>
-    </a:defPPr>
-    <a:lvl1pPr marL="0" algn="l" defTabSz="914400" rtl="0" eaLnBrk="1" latinLnBrk="0" hangingPunct="1">
-      <a:defRPr sz="1800" kern="1200">
-        <a:solidFill>
-          <a:schemeClr val="tx1"/>
-        </a:solidFill>
-        <a:latin typeface="+mn-lt"/>
-        <a:ea typeface="+mn-ea"/>
-        <a:cs typeface="+mn-cs"/>
-      </a:defRPr>
-    </a:lvl1pPr>
-    <a:lvl2pPr marL="457200" algn="l" defTabSz="914400" rtl="0" eaLnBrk="1" latinLnBrk="0" hangingPunct="1">
-      <a:defRPr sz="1800" kern="1200">
-        <a:solidFill>
-          <a:schemeClr val="tx1"/>
-        </a:solidFill>
-        <a:latin typeface="+mn-lt"/>
-        <a:ea typeface="+mn-ea"/>
-        <a:cs typeface="+mn-cs"/>
-      </a:defRPr>
-    </a:lvl2pPr>
-    <a:lvl3pPr marL="914400" algn="l" defTabSz="914400" rtl="0" eaLnBrk="1" latinLnBrk="0" hangingPunct="1">
-      <a:defRPr sz="1800" kern="1200">
-        <a:solidFill>
-          <a:schemeClr val="tx1"/>
-        </a:solidFill>
-        <a:latin typeface="+mn-lt"/>
-        <a:ea typeface="+mn-ea"/>
-        <a:cs typeface="+mn-cs"/>
-      </a:defRPr>
-    </a:lvl3pPr>
-    <a:lvl4pPr marL="1371600" algn="l" defTabSz="914400" rtl="0" eaLnBrk="1" latinLnBrk="0" hangingPunct="1">
-      <a:defRPr sz="1800" kern="1200">
-        <a:solidFill>
-          <a:schemeClr val="tx1"/>
-        </a:solidFill>
-        <a:latin typeface="+mn-lt"/>
-        <a:ea typeface="+mn-ea"/>
-        <a:cs typeface="+mn-cs"/>
-      </a:defRPr>
-    </a:lvl4pPr>
-    <a:lvl5pPr marL="1828800" algn="l" defTabSz="914400" rtl="0" eaLnBrk="1" latinLnBrk="0" hangingPunct="1">
-      <a:defRPr sz="1800" kern="1200">
-        <a:solidFill>
-          <a:schemeClr val="tx1"/>
-        </a:solidFill>
-        <a:latin typeface="+mn-lt"/>
-        <a:ea typeface="+mn-ea"/>
-        <a:cs typeface="+mn-cs"/>
-      </a:defRPr>
-    </a:lvl5pPr>
-    <a:lvl6pPr marL="2286000" algn="l" defTabSz="914400" rtl="0" eaLnBrk="1" latinLnBrk="0" hangingPunct="1">
-      <a:defRPr sz="1800" kern="1200">
-        <a:solidFill>
-          <a:schemeClr val="tx1"/>
-        </a:solidFill>
-        <a:latin typeface="+mn-lt"/>
-        <a:ea typeface="+mn-ea"/>
-        <a:cs typeface="+mn-cs"/>
-      </a:defRPr>
-    </a:lvl6pPr>
-    <a:lvl7pPr marL="2743200" algn="l" defTabSz="914400" rtl="0" eaLnBrk="1" latinLnBrk="0" hangingPunct="1">
-      <a:defRPr sz="1800" kern="1200">
-        <a:solidFill>
-          <a:schemeClr val="tx1"/>
-        </a:solidFill>
-        <a:latin typeface="+mn-lt"/>
-        <a:ea typeface="+mn-ea"/>
-        <a:cs typeface="+mn-cs"/>
-      </a:defRPr>
-    </a:lvl7pPr>
-    <a:lvl8pPr marL="3200400" algn="l" defTabSz="914400" rtl="0" eaLnBrk="1" latinLnBrk="0" hangingPunct="1">
-      <a:defRPr sz="1800" kern="1200">
-        <a:solidFill>
-          <a:schemeClr val="tx1"/>
-        </a:solidFill>
-        <a:latin typeface="+mn-lt"/>
-        <a:ea typeface="+mn-ea"/>
-        <a:cs typeface="+mn-cs"/>
-      </a:defRPr>
-    </a:lvl8pPr>
-    <a:lvl9pPr marL="3657600" algn="l" defTabSz="914400" rtl="0" eaLnBrk="1" latinLnBrk="0" hangingPunct="1">
-      <a:defRPr sz="1800" kern="1200">
-        <a:solidFill>
-          <a:schemeClr val="tx1"/>
-        </a:solidFill>
-        <a:latin typeface="+mn-lt"/>
-        <a:ea typeface="+mn-ea"/>
-        <a:cs typeface="+mn-cs"/>
-      </a:defRPr>
-    </a:lvl9pPr>
-  </p:defaultTextStyle>
+  <p:sldSz cx="9144000" cy="6858000"/>
+  <p:notesSz cx="7559675" cy="10691812"/>
 </p:presentation>
 </file>
 
 <file path=ppt/slideLayouts/slideLayout1.xml><?xml version="1.0" encoding="utf-8"?>
-<p:sldLayout xmlns:a="http://schemas.openxmlformats.org/drawingml/2006/main" xmlns:r="http://schemas.openxmlformats.org/officeDocument/2006/relationships" xmlns:p="http://schemas.openxmlformats.org/presentationml/2006/main" type="blank" preserve="1">
+<p:sldLayout xmlns:a="http://schemas.openxmlformats.org/drawingml/2006/main" xmlns:p="http://schemas.openxmlformats.org/presentationml/2006/main" xmlns:r="http://schemas.openxmlformats.org/officeDocument/2006/relationships" type="blank" preserve="1">
   <p:cSld name="Blank Slide">
     <p:spTree>
       <p:nvGrpSpPr>
@@ -130,14 +36,11 @@
       </p:grpSpPr>
     </p:spTree>
   </p:cSld>
-  <p:clrMapOvr>
-    <a:masterClrMapping/>
-  </p:clrMapOvr>
 </p:sldLayout>
 </file>
 
 <file path=ppt/slideLayouts/slideLayout10.xml><?xml version="1.0" encoding="utf-8"?>
-<p:sldLayout xmlns:a="http://schemas.openxmlformats.org/drawingml/2006/main" xmlns:r="http://schemas.openxmlformats.org/officeDocument/2006/relationships" xmlns:p="http://schemas.openxmlformats.org/presentationml/2006/main" type="objOverTx" preserve="1">
+<p:sldLayout xmlns:a="http://schemas.openxmlformats.org/drawingml/2006/main" xmlns:p="http://schemas.openxmlformats.org/presentationml/2006/main" xmlns:r="http://schemas.openxmlformats.org/officeDocument/2006/relationships" type="objOverTx" preserve="1">
   <p:cSld name="Title, Content over Content">
     <p:spTree>
       <p:nvGrpSpPr>
@@ -166,17 +69,15 @@
         <p:spPr>
           <a:xfrm>
             <a:off x="457200" y="273600"/>
-            <a:ext cx="8229240" cy="1145160"/>
-          </a:xfrm>
-          <a:prstGeom prst="rect">
-            <a:avLst/>
-          </a:prstGeom>
-        </p:spPr>
-        <p:txBody>
-          <a:bodyPr wrap="none" lIns="0" tIns="0" rIns="0" bIns="0" anchor="ctr"/>
-          <a:lstStyle/>
-          <a:p>
-            <a:pPr algn="ctr"/>
+            <a:ext cx="8228880" cy="1145160"/>
+          </a:xfrm>
+          <a:prstGeom prst="rect">
+            <a:avLst/>
+          </a:prstGeom>
+        </p:spPr>
+        <p:txBody>
+          <a:bodyPr wrap="none" lIns="0" rIns="0" tIns="0" bIns="0" anchor="ctr"/>
+          <a:p>
             <a:endParaRPr/>
           </a:p>
         </p:txBody>
@@ -201,8 +102,7 @@
           </a:prstGeom>
         </p:spPr>
         <p:txBody>
-          <a:bodyPr wrap="none" lIns="0" tIns="0" rIns="0" bIns="0"/>
-          <a:lstStyle/>
+          <a:bodyPr wrap="none" lIns="0" rIns="0" tIns="0" bIns="0"/>
           <a:p>
             <a:endParaRPr/>
           </a:p>
@@ -228,8 +128,7 @@
           </a:prstGeom>
         </p:spPr>
         <p:txBody>
-          <a:bodyPr wrap="none" lIns="0" tIns="0" rIns="0" bIns="0"/>
-          <a:lstStyle/>
+          <a:bodyPr wrap="none" lIns="0" rIns="0" tIns="0" bIns="0"/>
           <a:p>
             <a:endParaRPr/>
           </a:p>
@@ -237,14 +136,11 @@
       </p:sp>
     </p:spTree>
   </p:cSld>
-  <p:clrMapOvr>
-    <a:masterClrMapping/>
-  </p:clrMapOvr>
 </p:sldLayout>
 </file>
 
 <file path=ppt/slideLayouts/slideLayout11.xml><?xml version="1.0" encoding="utf-8"?>
-<p:sldLayout xmlns:a="http://schemas.openxmlformats.org/drawingml/2006/main" xmlns:r="http://schemas.openxmlformats.org/officeDocument/2006/relationships" xmlns:p="http://schemas.openxmlformats.org/presentationml/2006/main" type="fourObj" preserve="1">
+<p:sldLayout xmlns:a="http://schemas.openxmlformats.org/drawingml/2006/main" xmlns:p="http://schemas.openxmlformats.org/presentationml/2006/main" xmlns:r="http://schemas.openxmlformats.org/officeDocument/2006/relationships" type="fourObj" preserve="1">
   <p:cSld name="Title, 4 Content">
     <p:spTree>
       <p:nvGrpSpPr>
@@ -273,17 +169,15 @@
         <p:spPr>
           <a:xfrm>
             <a:off x="457200" y="273600"/>
-            <a:ext cx="8229240" cy="1145160"/>
-          </a:xfrm>
-          <a:prstGeom prst="rect">
-            <a:avLst/>
-          </a:prstGeom>
-        </p:spPr>
-        <p:txBody>
-          <a:bodyPr wrap="none" lIns="0" tIns="0" rIns="0" bIns="0" anchor="ctr"/>
-          <a:lstStyle/>
-          <a:p>
-            <a:pPr algn="ctr"/>
+            <a:ext cx="8228880" cy="1145160"/>
+          </a:xfrm>
+          <a:prstGeom prst="rect">
+            <a:avLst/>
+          </a:prstGeom>
+        </p:spPr>
+        <p:txBody>
+          <a:bodyPr wrap="none" lIns="0" rIns="0" tIns="0" bIns="0" anchor="ctr"/>
+          <a:p>
             <a:endParaRPr/>
           </a:p>
         </p:txBody>
@@ -308,8 +202,7 @@
           </a:prstGeom>
         </p:spPr>
         <p:txBody>
-          <a:bodyPr wrap="none" lIns="0" tIns="0" rIns="0" bIns="0"/>
-          <a:lstStyle/>
+          <a:bodyPr wrap="none" lIns="0" rIns="0" tIns="0" bIns="0"/>
           <a:p>
             <a:endParaRPr/>
           </a:p>
@@ -335,8 +228,7 @@
           </a:prstGeom>
         </p:spPr>
         <p:txBody>
-          <a:bodyPr wrap="none" lIns="0" tIns="0" rIns="0" bIns="0"/>
-          <a:lstStyle/>
+          <a:bodyPr wrap="none" lIns="0" rIns="0" tIns="0" bIns="0"/>
           <a:p>
             <a:endParaRPr/>
           </a:p>
@@ -362,8 +254,7 @@
           </a:prstGeom>
         </p:spPr>
         <p:txBody>
-          <a:bodyPr wrap="none" lIns="0" tIns="0" rIns="0" bIns="0"/>
-          <a:lstStyle/>
+          <a:bodyPr wrap="none" lIns="0" rIns="0" tIns="0" bIns="0"/>
           <a:p>
             <a:endParaRPr/>
           </a:p>
@@ -389,8 +280,7 @@
           </a:prstGeom>
         </p:spPr>
         <p:txBody>
-          <a:bodyPr wrap="none" lIns="0" tIns="0" rIns="0" bIns="0"/>
-          <a:lstStyle/>
+          <a:bodyPr wrap="none" lIns="0" rIns="0" tIns="0" bIns="0"/>
           <a:p>
             <a:endParaRPr/>
           </a:p>
@@ -398,14 +288,11 @@
       </p:sp>
     </p:spTree>
   </p:cSld>
-  <p:clrMapOvr>
-    <a:masterClrMapping/>
-  </p:clrMapOvr>
 </p:sldLayout>
 </file>
 
 <file path=ppt/slideLayouts/slideLayout12.xml><?xml version="1.0" encoding="utf-8"?>
-<p:sldLayout xmlns:a="http://schemas.openxmlformats.org/drawingml/2006/main" xmlns:r="http://schemas.openxmlformats.org/officeDocument/2006/relationships" xmlns:p="http://schemas.openxmlformats.org/presentationml/2006/main" type="blank" preserve="1">
+<p:sldLayout xmlns:a="http://schemas.openxmlformats.org/drawingml/2006/main" xmlns:p="http://schemas.openxmlformats.org/presentationml/2006/main" xmlns:r="http://schemas.openxmlformats.org/officeDocument/2006/relationships" type="blank" preserve="1">
   <p:cSld name="Title, 6 Content">
     <p:spTree>
       <p:nvGrpSpPr>
@@ -434,17 +321,15 @@
         <p:spPr>
           <a:xfrm>
             <a:off x="457200" y="273600"/>
-            <a:ext cx="8229240" cy="1145160"/>
-          </a:xfrm>
-          <a:prstGeom prst="rect">
-            <a:avLst/>
-          </a:prstGeom>
-        </p:spPr>
-        <p:txBody>
-          <a:bodyPr wrap="none" lIns="0" tIns="0" rIns="0" bIns="0" anchor="ctr"/>
-          <a:lstStyle/>
-          <a:p>
-            <a:pPr algn="ctr"/>
+            <a:ext cx="8228880" cy="1145160"/>
+          </a:xfrm>
+          <a:prstGeom prst="rect">
+            <a:avLst/>
+          </a:prstGeom>
+        </p:spPr>
+        <p:txBody>
+          <a:bodyPr wrap="none" lIns="0" rIns="0" tIns="0" bIns="0" anchor="ctr"/>
+          <a:p>
             <a:endParaRPr/>
           </a:p>
         </p:txBody>
@@ -469,8 +354,7 @@
           </a:prstGeom>
         </p:spPr>
         <p:txBody>
-          <a:bodyPr wrap="none" lIns="0" tIns="0" rIns="0" bIns="0"/>
-          <a:lstStyle/>
+          <a:bodyPr wrap="none" lIns="0" rIns="0" tIns="0" bIns="0"/>
           <a:p>
             <a:endParaRPr/>
           </a:p>
@@ -496,8 +380,7 @@
           </a:prstGeom>
         </p:spPr>
         <p:txBody>
-          <a:bodyPr wrap="none" lIns="0" tIns="0" rIns="0" bIns="0"/>
-          <a:lstStyle/>
+          <a:bodyPr wrap="none" lIns="0" rIns="0" tIns="0" bIns="0"/>
           <a:p>
             <a:endParaRPr/>
           </a:p>
@@ -505,7 +388,7 @@
       </p:sp>
       <p:pic>
         <p:nvPicPr>
-          <p:cNvPr id="34" name="33 Imagen"/>
+          <p:cNvPr id="34" name="" descr=""/>
           <p:cNvPicPr/>
           <p:nvPr/>
         </p:nvPicPr>
@@ -530,12 +413,12 @@
       </p:pic>
       <p:pic>
         <p:nvPicPr>
-          <p:cNvPr id="35" name="34 Imagen"/>
+          <p:cNvPr id="35" name="" descr=""/>
           <p:cNvPicPr/>
           <p:nvPr/>
         </p:nvPicPr>
         <p:blipFill>
-          <a:blip r:embed="rId2"/>
+          <a:blip r:embed="rId3"/>
           <a:stretch>
             <a:fillRect/>
           </a:stretch>
@@ -555,14 +438,33 @@
       </p:pic>
     </p:spTree>
   </p:cSld>
-  <p:clrMapOvr>
-    <a:masterClrMapping/>
-  </p:clrMapOvr>
 </p:sldLayout>
 </file>
 
-<file path=ppt/slideLayouts/slideLayout2.xml><?xml version="1.0" encoding="utf-8"?>
-<p:sldLayout xmlns:a="http://schemas.openxmlformats.org/drawingml/2006/main" xmlns:r="http://schemas.openxmlformats.org/officeDocument/2006/relationships" xmlns:p="http://schemas.openxmlformats.org/presentationml/2006/main" type="tx" preserve="1">
+<file path=ppt/slideLayouts/slideLayout13.xml><?xml version="1.0" encoding="utf-8"?>
+<p:sldLayout xmlns:a="http://schemas.openxmlformats.org/drawingml/2006/main" xmlns:p="http://schemas.openxmlformats.org/presentationml/2006/main" xmlns:r="http://schemas.openxmlformats.org/officeDocument/2006/relationships" type="blank" preserve="1">
+  <p:cSld name="Blank Slide">
+    <p:spTree>
+      <p:nvGrpSpPr>
+        <p:cNvPr id="1" name=""/>
+        <p:cNvGrpSpPr/>
+        <p:nvPr/>
+      </p:nvGrpSpPr>
+      <p:grpSpPr>
+        <a:xfrm>
+          <a:off x="0" y="0"/>
+          <a:ext cx="0" cy="0"/>
+          <a:chOff x="0" y="0"/>
+          <a:chExt cx="0" cy="0"/>
+        </a:xfrm>
+      </p:grpSpPr>
+    </p:spTree>
+  </p:cSld>
+</p:sldLayout>
+</file>
+
+<file path=ppt/slideLayouts/slideLayout14.xml><?xml version="1.0" encoding="utf-8"?>
+<p:sldLayout xmlns:a="http://schemas.openxmlformats.org/drawingml/2006/main" xmlns:p="http://schemas.openxmlformats.org/presentationml/2006/main" xmlns:r="http://schemas.openxmlformats.org/officeDocument/2006/relationships" type="tx" preserve="1">
   <p:cSld name="Title Slide">
     <p:spTree>
       <p:nvGrpSpPr>
@@ -580,7 +482,7 @@
       </p:grpSpPr>
       <p:sp>
         <p:nvSpPr>
-          <p:cNvPr id="2" name="PlaceHolder 1"/>
+          <p:cNvPr id="38" name="PlaceHolder 1"/>
           <p:cNvSpPr>
             <a:spLocks noGrp="1"/>
           </p:cNvSpPr>
@@ -591,24 +493,22 @@
         <p:spPr>
           <a:xfrm>
             <a:off x="457200" y="273600"/>
-            <a:ext cx="8229240" cy="1145160"/>
-          </a:xfrm>
-          <a:prstGeom prst="rect">
-            <a:avLst/>
-          </a:prstGeom>
-        </p:spPr>
-        <p:txBody>
-          <a:bodyPr wrap="none" lIns="0" tIns="0" rIns="0" bIns="0" anchor="ctr"/>
-          <a:lstStyle/>
-          <a:p>
-            <a:pPr algn="ctr"/>
-            <a:endParaRPr/>
-          </a:p>
-        </p:txBody>
-      </p:sp>
-      <p:sp>
-        <p:nvSpPr>
-          <p:cNvPr id="3" name="PlaceHolder 2"/>
+            <a:ext cx="8228880" cy="1145160"/>
+          </a:xfrm>
+          <a:prstGeom prst="rect">
+            <a:avLst/>
+          </a:prstGeom>
+        </p:spPr>
+        <p:txBody>
+          <a:bodyPr wrap="none" lIns="0" rIns="0" tIns="0" bIns="0" anchor="ctr"/>
+          <a:p>
+            <a:endParaRPr/>
+          </a:p>
+        </p:txBody>
+      </p:sp>
+      <p:sp>
+        <p:nvSpPr>
+          <p:cNvPr id="39" name="PlaceHolder 2"/>
           <p:cNvSpPr>
             <a:spLocks noGrp="1"/>
           </p:cNvSpPr>
@@ -626,8 +526,7 @@
           </a:prstGeom>
         </p:spPr>
         <p:txBody>
-          <a:bodyPr wrap="none" lIns="0" tIns="0" rIns="0" bIns="0" anchor="ctr"/>
-          <a:lstStyle/>
+          <a:bodyPr wrap="none" lIns="0" rIns="0" tIns="0" bIns="0" anchor="ctr"/>
           <a:p>
             <a:pPr algn="ctr"/>
             <a:endParaRPr/>
@@ -636,14 +535,11 @@
       </p:sp>
     </p:spTree>
   </p:cSld>
-  <p:clrMapOvr>
-    <a:masterClrMapping/>
-  </p:clrMapOvr>
 </p:sldLayout>
 </file>
 
-<file path=ppt/slideLayouts/slideLayout3.xml><?xml version="1.0" encoding="utf-8"?>
-<p:sldLayout xmlns:a="http://schemas.openxmlformats.org/drawingml/2006/main" xmlns:r="http://schemas.openxmlformats.org/officeDocument/2006/relationships" xmlns:p="http://schemas.openxmlformats.org/presentationml/2006/main" type="obj" preserve="1">
+<file path=ppt/slideLayouts/slideLayout15.xml><?xml version="1.0" encoding="utf-8"?>
+<p:sldLayout xmlns:a="http://schemas.openxmlformats.org/drawingml/2006/main" xmlns:p="http://schemas.openxmlformats.org/presentationml/2006/main" xmlns:r="http://schemas.openxmlformats.org/officeDocument/2006/relationships" type="obj" preserve="1">
   <p:cSld name="Title, Content">
     <p:spTree>
       <p:nvGrpSpPr>
@@ -661,7 +557,7 @@
       </p:grpSpPr>
       <p:sp>
         <p:nvSpPr>
-          <p:cNvPr id="4" name="PlaceHolder 1"/>
+          <p:cNvPr id="40" name="PlaceHolder 1"/>
           <p:cNvSpPr>
             <a:spLocks noGrp="1"/>
           </p:cNvSpPr>
@@ -672,24 +568,22 @@
         <p:spPr>
           <a:xfrm>
             <a:off x="457200" y="273600"/>
-            <a:ext cx="8229240" cy="1145160"/>
-          </a:xfrm>
-          <a:prstGeom prst="rect">
-            <a:avLst/>
-          </a:prstGeom>
-        </p:spPr>
-        <p:txBody>
-          <a:bodyPr wrap="none" lIns="0" tIns="0" rIns="0" bIns="0" anchor="ctr"/>
-          <a:lstStyle/>
-          <a:p>
-            <a:pPr algn="ctr"/>
-            <a:endParaRPr/>
-          </a:p>
-        </p:txBody>
-      </p:sp>
-      <p:sp>
-        <p:nvSpPr>
-          <p:cNvPr id="5" name="PlaceHolder 2"/>
+            <a:ext cx="8228880" cy="1145160"/>
+          </a:xfrm>
+          <a:prstGeom prst="rect">
+            <a:avLst/>
+          </a:prstGeom>
+        </p:spPr>
+        <p:txBody>
+          <a:bodyPr wrap="none" lIns="0" rIns="0" tIns="0" bIns="0" anchor="ctr"/>
+          <a:p>
+            <a:endParaRPr/>
+          </a:p>
+        </p:txBody>
+      </p:sp>
+      <p:sp>
+        <p:nvSpPr>
+          <p:cNvPr id="41" name="PlaceHolder 2"/>
           <p:cNvSpPr>
             <a:spLocks noGrp="1"/>
           </p:cNvSpPr>
@@ -707,8 +601,7 @@
           </a:prstGeom>
         </p:spPr>
         <p:txBody>
-          <a:bodyPr wrap="none" lIns="0" tIns="0" rIns="0" bIns="0"/>
-          <a:lstStyle/>
+          <a:bodyPr wrap="none" lIns="0" rIns="0" tIns="0" bIns="0"/>
           <a:p>
             <a:endParaRPr/>
           </a:p>
@@ -716,14 +609,11 @@
       </p:sp>
     </p:spTree>
   </p:cSld>
-  <p:clrMapOvr>
-    <a:masterClrMapping/>
-  </p:clrMapOvr>
 </p:sldLayout>
 </file>
 
-<file path=ppt/slideLayouts/slideLayout4.xml><?xml version="1.0" encoding="utf-8"?>
-<p:sldLayout xmlns:a="http://schemas.openxmlformats.org/drawingml/2006/main" xmlns:r="http://schemas.openxmlformats.org/officeDocument/2006/relationships" xmlns:p="http://schemas.openxmlformats.org/presentationml/2006/main" type="twoObj" preserve="1">
+<file path=ppt/slideLayouts/slideLayout16.xml><?xml version="1.0" encoding="utf-8"?>
+<p:sldLayout xmlns:a="http://schemas.openxmlformats.org/drawingml/2006/main" xmlns:p="http://schemas.openxmlformats.org/presentationml/2006/main" xmlns:r="http://schemas.openxmlformats.org/officeDocument/2006/relationships" type="twoObj" preserve="1">
   <p:cSld name="Title, 2 Content">
     <p:spTree>
       <p:nvGrpSpPr>
@@ -741,7 +631,7 @@
       </p:grpSpPr>
       <p:sp>
         <p:nvSpPr>
-          <p:cNvPr id="6" name="PlaceHolder 1"/>
+          <p:cNvPr id="42" name="PlaceHolder 1"/>
           <p:cNvSpPr>
             <a:spLocks noGrp="1"/>
           </p:cNvSpPr>
@@ -752,24 +642,22 @@
         <p:spPr>
           <a:xfrm>
             <a:off x="457200" y="273600"/>
-            <a:ext cx="8229240" cy="1145160"/>
-          </a:xfrm>
-          <a:prstGeom prst="rect">
-            <a:avLst/>
-          </a:prstGeom>
-        </p:spPr>
-        <p:txBody>
-          <a:bodyPr wrap="none" lIns="0" tIns="0" rIns="0" bIns="0" anchor="ctr"/>
-          <a:lstStyle/>
-          <a:p>
-            <a:pPr algn="ctr"/>
-            <a:endParaRPr/>
-          </a:p>
-        </p:txBody>
-      </p:sp>
-      <p:sp>
-        <p:nvSpPr>
-          <p:cNvPr id="7" name="PlaceHolder 2"/>
+            <a:ext cx="8228880" cy="1145160"/>
+          </a:xfrm>
+          <a:prstGeom prst="rect">
+            <a:avLst/>
+          </a:prstGeom>
+        </p:spPr>
+        <p:txBody>
+          <a:bodyPr wrap="none" lIns="0" rIns="0" tIns="0" bIns="0" anchor="ctr"/>
+          <a:p>
+            <a:endParaRPr/>
+          </a:p>
+        </p:txBody>
+      </p:sp>
+      <p:sp>
+        <p:nvSpPr>
+          <p:cNvPr id="43" name="PlaceHolder 2"/>
           <p:cNvSpPr>
             <a:spLocks noGrp="1"/>
           </p:cNvSpPr>
@@ -787,16 +675,15 @@
           </a:prstGeom>
         </p:spPr>
         <p:txBody>
-          <a:bodyPr wrap="none" lIns="0" tIns="0" rIns="0" bIns="0"/>
-          <a:lstStyle/>
-          <a:p>
-            <a:endParaRPr/>
-          </a:p>
-        </p:txBody>
-      </p:sp>
-      <p:sp>
-        <p:nvSpPr>
-          <p:cNvPr id="8" name="PlaceHolder 3"/>
+          <a:bodyPr wrap="none" lIns="0" rIns="0" tIns="0" bIns="0"/>
+          <a:p>
+            <a:endParaRPr/>
+          </a:p>
+        </p:txBody>
+      </p:sp>
+      <p:sp>
+        <p:nvSpPr>
+          <p:cNvPr id="44" name="PlaceHolder 3"/>
           <p:cNvSpPr>
             <a:spLocks noGrp="1"/>
           </p:cNvSpPr>
@@ -814,8 +701,7 @@
           </a:prstGeom>
         </p:spPr>
         <p:txBody>
-          <a:bodyPr wrap="none" lIns="0" tIns="0" rIns="0" bIns="0"/>
-          <a:lstStyle/>
+          <a:bodyPr wrap="none" lIns="0" rIns="0" tIns="0" bIns="0"/>
           <a:p>
             <a:endParaRPr/>
           </a:p>
@@ -823,14 +709,11 @@
       </p:sp>
     </p:spTree>
   </p:cSld>
-  <p:clrMapOvr>
-    <a:masterClrMapping/>
-  </p:clrMapOvr>
 </p:sldLayout>
 </file>
 
-<file path=ppt/slideLayouts/slideLayout5.xml><?xml version="1.0" encoding="utf-8"?>
-<p:sldLayout xmlns:a="http://schemas.openxmlformats.org/drawingml/2006/main" xmlns:r="http://schemas.openxmlformats.org/officeDocument/2006/relationships" xmlns:p="http://schemas.openxmlformats.org/presentationml/2006/main" type="titleOnly" preserve="1">
+<file path=ppt/slideLayouts/slideLayout17.xml><?xml version="1.0" encoding="utf-8"?>
+<p:sldLayout xmlns:a="http://schemas.openxmlformats.org/drawingml/2006/main" xmlns:p="http://schemas.openxmlformats.org/presentationml/2006/main" xmlns:r="http://schemas.openxmlformats.org/officeDocument/2006/relationships" type="titleOnly" preserve="1">
   <p:cSld name="Title Only">
     <p:spTree>
       <p:nvGrpSpPr>
@@ -848,7 +731,7 @@
       </p:grpSpPr>
       <p:sp>
         <p:nvSpPr>
-          <p:cNvPr id="9" name="PlaceHolder 1"/>
+          <p:cNvPr id="45" name="PlaceHolder 1"/>
           <p:cNvSpPr>
             <a:spLocks noGrp="1"/>
           </p:cNvSpPr>
@@ -859,31 +742,26 @@
         <p:spPr>
           <a:xfrm>
             <a:off x="457200" y="273600"/>
-            <a:ext cx="8229240" cy="1145160"/>
-          </a:xfrm>
-          <a:prstGeom prst="rect">
-            <a:avLst/>
-          </a:prstGeom>
-        </p:spPr>
-        <p:txBody>
-          <a:bodyPr wrap="none" lIns="0" tIns="0" rIns="0" bIns="0" anchor="ctr"/>
-          <a:lstStyle/>
-          <a:p>
-            <a:pPr algn="ctr"/>
+            <a:ext cx="8228880" cy="1145160"/>
+          </a:xfrm>
+          <a:prstGeom prst="rect">
+            <a:avLst/>
+          </a:prstGeom>
+        </p:spPr>
+        <p:txBody>
+          <a:bodyPr wrap="none" lIns="0" rIns="0" tIns="0" bIns="0" anchor="ctr"/>
+          <a:p>
             <a:endParaRPr/>
           </a:p>
         </p:txBody>
       </p:sp>
     </p:spTree>
   </p:cSld>
-  <p:clrMapOvr>
-    <a:masterClrMapping/>
-  </p:clrMapOvr>
 </p:sldLayout>
 </file>
 
-<file path=ppt/slideLayouts/slideLayout6.xml><?xml version="1.0" encoding="utf-8"?>
-<p:sldLayout xmlns:a="http://schemas.openxmlformats.org/drawingml/2006/main" xmlns:r="http://schemas.openxmlformats.org/officeDocument/2006/relationships" xmlns:p="http://schemas.openxmlformats.org/presentationml/2006/main" type="objOnly" preserve="1">
+<file path=ppt/slideLayouts/slideLayout18.xml><?xml version="1.0" encoding="utf-8"?>
+<p:sldLayout xmlns:a="http://schemas.openxmlformats.org/drawingml/2006/main" xmlns:p="http://schemas.openxmlformats.org/presentationml/2006/main" xmlns:r="http://schemas.openxmlformats.org/officeDocument/2006/relationships" type="objOnly" preserve="1">
   <p:cSld name="Centered Text">
     <p:spTree>
       <p:nvGrpSpPr>
@@ -901,7 +779,7 @@
       </p:grpSpPr>
       <p:sp>
         <p:nvSpPr>
-          <p:cNvPr id="10" name="PlaceHolder 1"/>
+          <p:cNvPr id="46" name="PlaceHolder 1"/>
           <p:cNvSpPr>
             <a:spLocks noGrp="1"/>
           </p:cNvSpPr>
@@ -912,15 +790,14 @@
         <p:spPr>
           <a:xfrm>
             <a:off x="457200" y="273600"/>
-            <a:ext cx="8229240" cy="5308200"/>
-          </a:xfrm>
-          <a:prstGeom prst="rect">
-            <a:avLst/>
-          </a:prstGeom>
-        </p:spPr>
-        <p:txBody>
-          <a:bodyPr wrap="none" lIns="0" tIns="0" rIns="0" bIns="0" anchor="ctr"/>
-          <a:lstStyle/>
+            <a:ext cx="8228880" cy="5308200"/>
+          </a:xfrm>
+          <a:prstGeom prst="rect">
+            <a:avLst/>
+          </a:prstGeom>
+        </p:spPr>
+        <p:txBody>
+          <a:bodyPr wrap="none" lIns="0" rIns="0" tIns="0" bIns="0" anchor="ctr"/>
           <a:p>
             <a:pPr algn="ctr"/>
             <a:endParaRPr/>
@@ -929,14 +806,11 @@
       </p:sp>
     </p:spTree>
   </p:cSld>
-  <p:clrMapOvr>
-    <a:masterClrMapping/>
-  </p:clrMapOvr>
 </p:sldLayout>
 </file>
 
-<file path=ppt/slideLayouts/slideLayout7.xml><?xml version="1.0" encoding="utf-8"?>
-<p:sldLayout xmlns:a="http://schemas.openxmlformats.org/drawingml/2006/main" xmlns:r="http://schemas.openxmlformats.org/officeDocument/2006/relationships" xmlns:p="http://schemas.openxmlformats.org/presentationml/2006/main" type="twoObjAndObj" preserve="1">
+<file path=ppt/slideLayouts/slideLayout19.xml><?xml version="1.0" encoding="utf-8"?>
+<p:sldLayout xmlns:a="http://schemas.openxmlformats.org/drawingml/2006/main" xmlns:p="http://schemas.openxmlformats.org/presentationml/2006/main" xmlns:r="http://schemas.openxmlformats.org/officeDocument/2006/relationships" type="twoObjAndObj" preserve="1">
   <p:cSld name="Title, 2 Content and Content">
     <p:spTree>
       <p:nvGrpSpPr>
@@ -954,7 +828,7 @@
       </p:grpSpPr>
       <p:sp>
         <p:nvSpPr>
-          <p:cNvPr id="11" name="PlaceHolder 1"/>
+          <p:cNvPr id="47" name="PlaceHolder 1"/>
           <p:cNvSpPr>
             <a:spLocks noGrp="1"/>
           </p:cNvSpPr>
@@ -965,24 +839,22 @@
         <p:spPr>
           <a:xfrm>
             <a:off x="457200" y="273600"/>
-            <a:ext cx="8229240" cy="1145160"/>
-          </a:xfrm>
-          <a:prstGeom prst="rect">
-            <a:avLst/>
-          </a:prstGeom>
-        </p:spPr>
-        <p:txBody>
-          <a:bodyPr wrap="none" lIns="0" tIns="0" rIns="0" bIns="0" anchor="ctr"/>
-          <a:lstStyle/>
-          <a:p>
-            <a:pPr algn="ctr"/>
-            <a:endParaRPr/>
-          </a:p>
-        </p:txBody>
-      </p:sp>
-      <p:sp>
-        <p:nvSpPr>
-          <p:cNvPr id="12" name="PlaceHolder 2"/>
+            <a:ext cx="8228880" cy="1145160"/>
+          </a:xfrm>
+          <a:prstGeom prst="rect">
+            <a:avLst/>
+          </a:prstGeom>
+        </p:spPr>
+        <p:txBody>
+          <a:bodyPr wrap="none" lIns="0" rIns="0" tIns="0" bIns="0" anchor="ctr"/>
+          <a:p>
+            <a:endParaRPr/>
+          </a:p>
+        </p:txBody>
+      </p:sp>
+      <p:sp>
+        <p:nvSpPr>
+          <p:cNvPr id="48" name="PlaceHolder 2"/>
           <p:cNvSpPr>
             <a:spLocks noGrp="1"/>
           </p:cNvSpPr>
@@ -1000,16 +872,15 @@
           </a:prstGeom>
         </p:spPr>
         <p:txBody>
-          <a:bodyPr wrap="none" lIns="0" tIns="0" rIns="0" bIns="0"/>
-          <a:lstStyle/>
-          <a:p>
-            <a:endParaRPr/>
-          </a:p>
-        </p:txBody>
-      </p:sp>
-      <p:sp>
-        <p:nvSpPr>
-          <p:cNvPr id="13" name="PlaceHolder 3"/>
+          <a:bodyPr wrap="none" lIns="0" rIns="0" tIns="0" bIns="0"/>
+          <a:p>
+            <a:endParaRPr/>
+          </a:p>
+        </p:txBody>
+      </p:sp>
+      <p:sp>
+        <p:nvSpPr>
+          <p:cNvPr id="49" name="PlaceHolder 3"/>
           <p:cNvSpPr>
             <a:spLocks noGrp="1"/>
           </p:cNvSpPr>
@@ -1027,16 +898,15 @@
           </a:prstGeom>
         </p:spPr>
         <p:txBody>
-          <a:bodyPr wrap="none" lIns="0" tIns="0" rIns="0" bIns="0"/>
-          <a:lstStyle/>
-          <a:p>
-            <a:endParaRPr/>
-          </a:p>
-        </p:txBody>
-      </p:sp>
-      <p:sp>
-        <p:nvSpPr>
-          <p:cNvPr id="14" name="PlaceHolder 4"/>
+          <a:bodyPr wrap="none" lIns="0" rIns="0" tIns="0" bIns="0"/>
+          <a:p>
+            <a:endParaRPr/>
+          </a:p>
+        </p:txBody>
+      </p:sp>
+      <p:sp>
+        <p:nvSpPr>
+          <p:cNvPr id="50" name="PlaceHolder 4"/>
           <p:cNvSpPr>
             <a:spLocks noGrp="1"/>
           </p:cNvSpPr>
@@ -1054,8 +924,7 @@
           </a:prstGeom>
         </p:spPr>
         <p:txBody>
-          <a:bodyPr wrap="none" lIns="0" tIns="0" rIns="0" bIns="0"/>
-          <a:lstStyle/>
+          <a:bodyPr wrap="none" lIns="0" rIns="0" tIns="0" bIns="0"/>
           <a:p>
             <a:endParaRPr/>
           </a:p>
@@ -1063,14 +932,86 @@
       </p:sp>
     </p:spTree>
   </p:cSld>
-  <p:clrMapOvr>
-    <a:masterClrMapping/>
-  </p:clrMapOvr>
 </p:sldLayout>
 </file>
 
-<file path=ppt/slideLayouts/slideLayout8.xml><?xml version="1.0" encoding="utf-8"?>
-<p:sldLayout xmlns:a="http://schemas.openxmlformats.org/drawingml/2006/main" xmlns:r="http://schemas.openxmlformats.org/officeDocument/2006/relationships" xmlns:p="http://schemas.openxmlformats.org/presentationml/2006/main" type="objAndTwoObj" preserve="1">
+<file path=ppt/slideLayouts/slideLayout2.xml><?xml version="1.0" encoding="utf-8"?>
+<p:sldLayout xmlns:a="http://schemas.openxmlformats.org/drawingml/2006/main" xmlns:p="http://schemas.openxmlformats.org/presentationml/2006/main" xmlns:r="http://schemas.openxmlformats.org/officeDocument/2006/relationships" type="tx" preserve="1">
+  <p:cSld name="Title Slide">
+    <p:spTree>
+      <p:nvGrpSpPr>
+        <p:cNvPr id="1" name=""/>
+        <p:cNvGrpSpPr/>
+        <p:nvPr/>
+      </p:nvGrpSpPr>
+      <p:grpSpPr>
+        <a:xfrm>
+          <a:off x="0" y="0"/>
+          <a:ext cx="0" cy="0"/>
+          <a:chOff x="0" y="0"/>
+          <a:chExt cx="0" cy="0"/>
+        </a:xfrm>
+      </p:grpSpPr>
+      <p:sp>
+        <p:nvSpPr>
+          <p:cNvPr id="2" name="PlaceHolder 1"/>
+          <p:cNvSpPr>
+            <a:spLocks noGrp="1"/>
+          </p:cNvSpPr>
+          <p:nvPr>
+            <p:ph type="title"/>
+          </p:nvPr>
+        </p:nvSpPr>
+        <p:spPr>
+          <a:xfrm>
+            <a:off x="457200" y="273600"/>
+            <a:ext cx="8228880" cy="1145160"/>
+          </a:xfrm>
+          <a:prstGeom prst="rect">
+            <a:avLst/>
+          </a:prstGeom>
+        </p:spPr>
+        <p:txBody>
+          <a:bodyPr wrap="none" lIns="0" rIns="0" tIns="0" bIns="0" anchor="ctr"/>
+          <a:p>
+            <a:endParaRPr/>
+          </a:p>
+        </p:txBody>
+      </p:sp>
+      <p:sp>
+        <p:nvSpPr>
+          <p:cNvPr id="3" name="PlaceHolder 2"/>
+          <p:cNvSpPr>
+            <a:spLocks noGrp="1"/>
+          </p:cNvSpPr>
+          <p:nvPr>
+            <p:ph type="subTitle"/>
+          </p:nvPr>
+        </p:nvSpPr>
+        <p:spPr>
+          <a:xfrm>
+            <a:off x="457200" y="1604520"/>
+            <a:ext cx="8229240" cy="3977640"/>
+          </a:xfrm>
+          <a:prstGeom prst="rect">
+            <a:avLst/>
+          </a:prstGeom>
+        </p:spPr>
+        <p:txBody>
+          <a:bodyPr wrap="none" lIns="0" rIns="0" tIns="0" bIns="0" anchor="ctr"/>
+          <a:p>
+            <a:pPr algn="ctr"/>
+            <a:endParaRPr/>
+          </a:p>
+        </p:txBody>
+      </p:sp>
+    </p:spTree>
+  </p:cSld>
+</p:sldLayout>
+</file>
+
+<file path=ppt/slideLayouts/slideLayout20.xml><?xml version="1.0" encoding="utf-8"?>
+<p:sldLayout xmlns:a="http://schemas.openxmlformats.org/drawingml/2006/main" xmlns:p="http://schemas.openxmlformats.org/presentationml/2006/main" xmlns:r="http://schemas.openxmlformats.org/officeDocument/2006/relationships" type="objAndTwoObj" preserve="1">
   <p:cSld name="Title Content and 2 Content">
     <p:spTree>
       <p:nvGrpSpPr>
@@ -1088,7 +1029,7 @@
       </p:grpSpPr>
       <p:sp>
         <p:nvSpPr>
-          <p:cNvPr id="15" name="PlaceHolder 1"/>
+          <p:cNvPr id="51" name="PlaceHolder 1"/>
           <p:cNvSpPr>
             <a:spLocks noGrp="1"/>
           </p:cNvSpPr>
@@ -1099,24 +1040,22 @@
         <p:spPr>
           <a:xfrm>
             <a:off x="457200" y="273600"/>
-            <a:ext cx="8229240" cy="1145160"/>
-          </a:xfrm>
-          <a:prstGeom prst="rect">
-            <a:avLst/>
-          </a:prstGeom>
-        </p:spPr>
-        <p:txBody>
-          <a:bodyPr wrap="none" lIns="0" tIns="0" rIns="0" bIns="0" anchor="ctr"/>
-          <a:lstStyle/>
-          <a:p>
-            <a:pPr algn="ctr"/>
-            <a:endParaRPr/>
-          </a:p>
-        </p:txBody>
-      </p:sp>
-      <p:sp>
-        <p:nvSpPr>
-          <p:cNvPr id="16" name="PlaceHolder 2"/>
+            <a:ext cx="8228880" cy="1145160"/>
+          </a:xfrm>
+          <a:prstGeom prst="rect">
+            <a:avLst/>
+          </a:prstGeom>
+        </p:spPr>
+        <p:txBody>
+          <a:bodyPr wrap="none" lIns="0" rIns="0" tIns="0" bIns="0" anchor="ctr"/>
+          <a:p>
+            <a:endParaRPr/>
+          </a:p>
+        </p:txBody>
+      </p:sp>
+      <p:sp>
+        <p:nvSpPr>
+          <p:cNvPr id="52" name="PlaceHolder 2"/>
           <p:cNvSpPr>
             <a:spLocks noGrp="1"/>
           </p:cNvSpPr>
@@ -1134,16 +1073,15 @@
           </a:prstGeom>
         </p:spPr>
         <p:txBody>
-          <a:bodyPr wrap="none" lIns="0" tIns="0" rIns="0" bIns="0"/>
-          <a:lstStyle/>
-          <a:p>
-            <a:endParaRPr/>
-          </a:p>
-        </p:txBody>
-      </p:sp>
-      <p:sp>
-        <p:nvSpPr>
-          <p:cNvPr id="17" name="PlaceHolder 3"/>
+          <a:bodyPr wrap="none" lIns="0" rIns="0" tIns="0" bIns="0"/>
+          <a:p>
+            <a:endParaRPr/>
+          </a:p>
+        </p:txBody>
+      </p:sp>
+      <p:sp>
+        <p:nvSpPr>
+          <p:cNvPr id="53" name="PlaceHolder 3"/>
           <p:cNvSpPr>
             <a:spLocks noGrp="1"/>
           </p:cNvSpPr>
@@ -1161,16 +1099,15 @@
           </a:prstGeom>
         </p:spPr>
         <p:txBody>
-          <a:bodyPr wrap="none" lIns="0" tIns="0" rIns="0" bIns="0"/>
-          <a:lstStyle/>
-          <a:p>
-            <a:endParaRPr/>
-          </a:p>
-        </p:txBody>
-      </p:sp>
-      <p:sp>
-        <p:nvSpPr>
-          <p:cNvPr id="18" name="PlaceHolder 4"/>
+          <a:bodyPr wrap="none" lIns="0" rIns="0" tIns="0" bIns="0"/>
+          <a:p>
+            <a:endParaRPr/>
+          </a:p>
+        </p:txBody>
+      </p:sp>
+      <p:sp>
+        <p:nvSpPr>
+          <p:cNvPr id="54" name="PlaceHolder 4"/>
           <p:cNvSpPr>
             <a:spLocks noGrp="1"/>
           </p:cNvSpPr>
@@ -1188,8 +1125,7 @@
           </a:prstGeom>
         </p:spPr>
         <p:txBody>
-          <a:bodyPr wrap="none" lIns="0" tIns="0" rIns="0" bIns="0"/>
-          <a:lstStyle/>
+          <a:bodyPr wrap="none" lIns="0" rIns="0" tIns="0" bIns="0"/>
           <a:p>
             <a:endParaRPr/>
           </a:p>
@@ -1197,14 +1133,11 @@
       </p:sp>
     </p:spTree>
   </p:cSld>
-  <p:clrMapOvr>
-    <a:masterClrMapping/>
-  </p:clrMapOvr>
 </p:sldLayout>
 </file>
 
-<file path=ppt/slideLayouts/slideLayout9.xml><?xml version="1.0" encoding="utf-8"?>
-<p:sldLayout xmlns:a="http://schemas.openxmlformats.org/drawingml/2006/main" xmlns:r="http://schemas.openxmlformats.org/officeDocument/2006/relationships" xmlns:p="http://schemas.openxmlformats.org/presentationml/2006/main" type="twoObjOverTx" preserve="1">
+<file path=ppt/slideLayouts/slideLayout21.xml><?xml version="1.0" encoding="utf-8"?>
+<p:sldLayout xmlns:a="http://schemas.openxmlformats.org/drawingml/2006/main" xmlns:p="http://schemas.openxmlformats.org/presentationml/2006/main" xmlns:r="http://schemas.openxmlformats.org/officeDocument/2006/relationships" type="twoObjOverTx" preserve="1">
   <p:cSld name="Title, 2 Content over Content">
     <p:spTree>
       <p:nvGrpSpPr>
@@ -1222,7 +1155,7 @@
       </p:grpSpPr>
       <p:sp>
         <p:nvSpPr>
-          <p:cNvPr id="19" name="PlaceHolder 1"/>
+          <p:cNvPr id="55" name="PlaceHolder 1"/>
           <p:cNvSpPr>
             <a:spLocks noGrp="1"/>
           </p:cNvSpPr>
@@ -1233,24 +1166,22 @@
         <p:spPr>
           <a:xfrm>
             <a:off x="457200" y="273600"/>
-            <a:ext cx="8229240" cy="1145160"/>
-          </a:xfrm>
-          <a:prstGeom prst="rect">
-            <a:avLst/>
-          </a:prstGeom>
-        </p:spPr>
-        <p:txBody>
-          <a:bodyPr wrap="none" lIns="0" tIns="0" rIns="0" bIns="0" anchor="ctr"/>
-          <a:lstStyle/>
-          <a:p>
-            <a:pPr algn="ctr"/>
-            <a:endParaRPr/>
-          </a:p>
-        </p:txBody>
-      </p:sp>
-      <p:sp>
-        <p:nvSpPr>
-          <p:cNvPr id="20" name="PlaceHolder 2"/>
+            <a:ext cx="8228880" cy="1145160"/>
+          </a:xfrm>
+          <a:prstGeom prst="rect">
+            <a:avLst/>
+          </a:prstGeom>
+        </p:spPr>
+        <p:txBody>
+          <a:bodyPr wrap="none" lIns="0" rIns="0" tIns="0" bIns="0" anchor="ctr"/>
+          <a:p>
+            <a:endParaRPr/>
+          </a:p>
+        </p:txBody>
+      </p:sp>
+      <p:sp>
+        <p:nvSpPr>
+          <p:cNvPr id="56" name="PlaceHolder 2"/>
           <p:cNvSpPr>
             <a:spLocks noGrp="1"/>
           </p:cNvSpPr>
@@ -1268,16 +1199,15 @@
           </a:prstGeom>
         </p:spPr>
         <p:txBody>
-          <a:bodyPr wrap="none" lIns="0" tIns="0" rIns="0" bIns="0"/>
-          <a:lstStyle/>
-          <a:p>
-            <a:endParaRPr/>
-          </a:p>
-        </p:txBody>
-      </p:sp>
-      <p:sp>
-        <p:nvSpPr>
-          <p:cNvPr id="21" name="PlaceHolder 3"/>
+          <a:bodyPr wrap="none" lIns="0" rIns="0" tIns="0" bIns="0"/>
+          <a:p>
+            <a:endParaRPr/>
+          </a:p>
+        </p:txBody>
+      </p:sp>
+      <p:sp>
+        <p:nvSpPr>
+          <p:cNvPr id="57" name="PlaceHolder 3"/>
           <p:cNvSpPr>
             <a:spLocks noGrp="1"/>
           </p:cNvSpPr>
@@ -1295,16 +1225,15 @@
           </a:prstGeom>
         </p:spPr>
         <p:txBody>
-          <a:bodyPr wrap="none" lIns="0" tIns="0" rIns="0" bIns="0"/>
-          <a:lstStyle/>
-          <a:p>
-            <a:endParaRPr/>
-          </a:p>
-        </p:txBody>
-      </p:sp>
-      <p:sp>
-        <p:nvSpPr>
-          <p:cNvPr id="22" name="PlaceHolder 4"/>
+          <a:bodyPr wrap="none" lIns="0" rIns="0" tIns="0" bIns="0"/>
+          <a:p>
+            <a:endParaRPr/>
+          </a:p>
+        </p:txBody>
+      </p:sp>
+      <p:sp>
+        <p:nvSpPr>
+          <p:cNvPr id="58" name="PlaceHolder 4"/>
           <p:cNvSpPr>
             <a:spLocks noGrp="1"/>
           </p:cNvSpPr>
@@ -1322,8 +1251,7 @@
           </a:prstGeom>
         </p:spPr>
         <p:txBody>
-          <a:bodyPr wrap="none" lIns="0" tIns="0" rIns="0" bIns="0"/>
-          <a:lstStyle/>
+          <a:bodyPr wrap="none" lIns="0" rIns="0" tIns="0" bIns="0"/>
           <a:p>
             <a:endParaRPr/>
           </a:p>
@@ -1331,21 +1259,1068 @@
       </p:sp>
     </p:spTree>
   </p:cSld>
-  <p:clrMapOvr>
-    <a:masterClrMapping/>
-  </p:clrMapOvr>
+</p:sldLayout>
+</file>
+
+<file path=ppt/slideLayouts/slideLayout22.xml><?xml version="1.0" encoding="utf-8"?>
+<p:sldLayout xmlns:a="http://schemas.openxmlformats.org/drawingml/2006/main" xmlns:p="http://schemas.openxmlformats.org/presentationml/2006/main" xmlns:r="http://schemas.openxmlformats.org/officeDocument/2006/relationships" type="objOverTx" preserve="1">
+  <p:cSld name="Title, Content over Content">
+    <p:spTree>
+      <p:nvGrpSpPr>
+        <p:cNvPr id="1" name=""/>
+        <p:cNvGrpSpPr/>
+        <p:nvPr/>
+      </p:nvGrpSpPr>
+      <p:grpSpPr>
+        <a:xfrm>
+          <a:off x="0" y="0"/>
+          <a:ext cx="0" cy="0"/>
+          <a:chOff x="0" y="0"/>
+          <a:chExt cx="0" cy="0"/>
+        </a:xfrm>
+      </p:grpSpPr>
+      <p:sp>
+        <p:nvSpPr>
+          <p:cNvPr id="59" name="PlaceHolder 1"/>
+          <p:cNvSpPr>
+            <a:spLocks noGrp="1"/>
+          </p:cNvSpPr>
+          <p:nvPr>
+            <p:ph type="title"/>
+          </p:nvPr>
+        </p:nvSpPr>
+        <p:spPr>
+          <a:xfrm>
+            <a:off x="457200" y="273600"/>
+            <a:ext cx="8228880" cy="1145160"/>
+          </a:xfrm>
+          <a:prstGeom prst="rect">
+            <a:avLst/>
+          </a:prstGeom>
+        </p:spPr>
+        <p:txBody>
+          <a:bodyPr wrap="none" lIns="0" rIns="0" tIns="0" bIns="0" anchor="ctr"/>
+          <a:p>
+            <a:endParaRPr/>
+          </a:p>
+        </p:txBody>
+      </p:sp>
+      <p:sp>
+        <p:nvSpPr>
+          <p:cNvPr id="60" name="PlaceHolder 2"/>
+          <p:cNvSpPr>
+            <a:spLocks noGrp="1"/>
+          </p:cNvSpPr>
+          <p:nvPr>
+            <p:ph type="body"/>
+          </p:nvPr>
+        </p:nvSpPr>
+        <p:spPr>
+          <a:xfrm>
+            <a:off x="457200" y="1604520"/>
+            <a:ext cx="8229240" cy="1896840"/>
+          </a:xfrm>
+          <a:prstGeom prst="rect">
+            <a:avLst/>
+          </a:prstGeom>
+        </p:spPr>
+        <p:txBody>
+          <a:bodyPr wrap="none" lIns="0" rIns="0" tIns="0" bIns="0"/>
+          <a:p>
+            <a:endParaRPr/>
+          </a:p>
+        </p:txBody>
+      </p:sp>
+      <p:sp>
+        <p:nvSpPr>
+          <p:cNvPr id="61" name="PlaceHolder 3"/>
+          <p:cNvSpPr>
+            <a:spLocks noGrp="1"/>
+          </p:cNvSpPr>
+          <p:nvPr>
+            <p:ph type="body"/>
+          </p:nvPr>
+        </p:nvSpPr>
+        <p:spPr>
+          <a:xfrm>
+            <a:off x="457200" y="3682080"/>
+            <a:ext cx="8229240" cy="1896840"/>
+          </a:xfrm>
+          <a:prstGeom prst="rect">
+            <a:avLst/>
+          </a:prstGeom>
+        </p:spPr>
+        <p:txBody>
+          <a:bodyPr wrap="none" lIns="0" rIns="0" tIns="0" bIns="0"/>
+          <a:p>
+            <a:endParaRPr/>
+          </a:p>
+        </p:txBody>
+      </p:sp>
+    </p:spTree>
+  </p:cSld>
+</p:sldLayout>
+</file>
+
+<file path=ppt/slideLayouts/slideLayout23.xml><?xml version="1.0" encoding="utf-8"?>
+<p:sldLayout xmlns:a="http://schemas.openxmlformats.org/drawingml/2006/main" xmlns:p="http://schemas.openxmlformats.org/presentationml/2006/main" xmlns:r="http://schemas.openxmlformats.org/officeDocument/2006/relationships" type="fourObj" preserve="1">
+  <p:cSld name="Title, 4 Content">
+    <p:spTree>
+      <p:nvGrpSpPr>
+        <p:cNvPr id="1" name=""/>
+        <p:cNvGrpSpPr/>
+        <p:nvPr/>
+      </p:nvGrpSpPr>
+      <p:grpSpPr>
+        <a:xfrm>
+          <a:off x="0" y="0"/>
+          <a:ext cx="0" cy="0"/>
+          <a:chOff x="0" y="0"/>
+          <a:chExt cx="0" cy="0"/>
+        </a:xfrm>
+      </p:grpSpPr>
+      <p:sp>
+        <p:nvSpPr>
+          <p:cNvPr id="62" name="PlaceHolder 1"/>
+          <p:cNvSpPr>
+            <a:spLocks noGrp="1"/>
+          </p:cNvSpPr>
+          <p:nvPr>
+            <p:ph type="title"/>
+          </p:nvPr>
+        </p:nvSpPr>
+        <p:spPr>
+          <a:xfrm>
+            <a:off x="457200" y="273600"/>
+            <a:ext cx="8228880" cy="1145160"/>
+          </a:xfrm>
+          <a:prstGeom prst="rect">
+            <a:avLst/>
+          </a:prstGeom>
+        </p:spPr>
+        <p:txBody>
+          <a:bodyPr wrap="none" lIns="0" rIns="0" tIns="0" bIns="0" anchor="ctr"/>
+          <a:p>
+            <a:endParaRPr/>
+          </a:p>
+        </p:txBody>
+      </p:sp>
+      <p:sp>
+        <p:nvSpPr>
+          <p:cNvPr id="63" name="PlaceHolder 2"/>
+          <p:cNvSpPr>
+            <a:spLocks noGrp="1"/>
+          </p:cNvSpPr>
+          <p:nvPr>
+            <p:ph type="body"/>
+          </p:nvPr>
+        </p:nvSpPr>
+        <p:spPr>
+          <a:xfrm>
+            <a:off x="457200" y="1604520"/>
+            <a:ext cx="4015800" cy="1896840"/>
+          </a:xfrm>
+          <a:prstGeom prst="rect">
+            <a:avLst/>
+          </a:prstGeom>
+        </p:spPr>
+        <p:txBody>
+          <a:bodyPr wrap="none" lIns="0" rIns="0" tIns="0" bIns="0"/>
+          <a:p>
+            <a:endParaRPr/>
+          </a:p>
+        </p:txBody>
+      </p:sp>
+      <p:sp>
+        <p:nvSpPr>
+          <p:cNvPr id="64" name="PlaceHolder 3"/>
+          <p:cNvSpPr>
+            <a:spLocks noGrp="1"/>
+          </p:cNvSpPr>
+          <p:nvPr>
+            <p:ph type="body"/>
+          </p:nvPr>
+        </p:nvSpPr>
+        <p:spPr>
+          <a:xfrm>
+            <a:off x="4674240" y="1604520"/>
+            <a:ext cx="4015800" cy="1896840"/>
+          </a:xfrm>
+          <a:prstGeom prst="rect">
+            <a:avLst/>
+          </a:prstGeom>
+        </p:spPr>
+        <p:txBody>
+          <a:bodyPr wrap="none" lIns="0" rIns="0" tIns="0" bIns="0"/>
+          <a:p>
+            <a:endParaRPr/>
+          </a:p>
+        </p:txBody>
+      </p:sp>
+      <p:sp>
+        <p:nvSpPr>
+          <p:cNvPr id="65" name="PlaceHolder 4"/>
+          <p:cNvSpPr>
+            <a:spLocks noGrp="1"/>
+          </p:cNvSpPr>
+          <p:nvPr>
+            <p:ph type="body"/>
+          </p:nvPr>
+        </p:nvSpPr>
+        <p:spPr>
+          <a:xfrm>
+            <a:off x="4674240" y="3682080"/>
+            <a:ext cx="4015800" cy="1896840"/>
+          </a:xfrm>
+          <a:prstGeom prst="rect">
+            <a:avLst/>
+          </a:prstGeom>
+        </p:spPr>
+        <p:txBody>
+          <a:bodyPr wrap="none" lIns="0" rIns="0" tIns="0" bIns="0"/>
+          <a:p>
+            <a:endParaRPr/>
+          </a:p>
+        </p:txBody>
+      </p:sp>
+      <p:sp>
+        <p:nvSpPr>
+          <p:cNvPr id="66" name="PlaceHolder 5"/>
+          <p:cNvSpPr>
+            <a:spLocks noGrp="1"/>
+          </p:cNvSpPr>
+          <p:nvPr>
+            <p:ph type="body"/>
+          </p:nvPr>
+        </p:nvSpPr>
+        <p:spPr>
+          <a:xfrm>
+            <a:off x="457200" y="3682080"/>
+            <a:ext cx="4015800" cy="1896840"/>
+          </a:xfrm>
+          <a:prstGeom prst="rect">
+            <a:avLst/>
+          </a:prstGeom>
+        </p:spPr>
+        <p:txBody>
+          <a:bodyPr wrap="none" lIns="0" rIns="0" tIns="0" bIns="0"/>
+          <a:p>
+            <a:endParaRPr/>
+          </a:p>
+        </p:txBody>
+      </p:sp>
+    </p:spTree>
+  </p:cSld>
+</p:sldLayout>
+</file>
+
+<file path=ppt/slideLayouts/slideLayout24.xml><?xml version="1.0" encoding="utf-8"?>
+<p:sldLayout xmlns:a="http://schemas.openxmlformats.org/drawingml/2006/main" xmlns:p="http://schemas.openxmlformats.org/presentationml/2006/main" xmlns:r="http://schemas.openxmlformats.org/officeDocument/2006/relationships" type="blank" preserve="1">
+  <p:cSld name="Title, 6 Content">
+    <p:spTree>
+      <p:nvGrpSpPr>
+        <p:cNvPr id="1" name=""/>
+        <p:cNvGrpSpPr/>
+        <p:nvPr/>
+      </p:nvGrpSpPr>
+      <p:grpSpPr>
+        <a:xfrm>
+          <a:off x="0" y="0"/>
+          <a:ext cx="0" cy="0"/>
+          <a:chOff x="0" y="0"/>
+          <a:chExt cx="0" cy="0"/>
+        </a:xfrm>
+      </p:grpSpPr>
+      <p:sp>
+        <p:nvSpPr>
+          <p:cNvPr id="67" name="PlaceHolder 1"/>
+          <p:cNvSpPr>
+            <a:spLocks noGrp="1"/>
+          </p:cNvSpPr>
+          <p:nvPr>
+            <p:ph type="title"/>
+          </p:nvPr>
+        </p:nvSpPr>
+        <p:spPr>
+          <a:xfrm>
+            <a:off x="457200" y="273600"/>
+            <a:ext cx="8228880" cy="1145160"/>
+          </a:xfrm>
+          <a:prstGeom prst="rect">
+            <a:avLst/>
+          </a:prstGeom>
+        </p:spPr>
+        <p:txBody>
+          <a:bodyPr wrap="none" lIns="0" rIns="0" tIns="0" bIns="0" anchor="ctr"/>
+          <a:p>
+            <a:endParaRPr/>
+          </a:p>
+        </p:txBody>
+      </p:sp>
+      <p:sp>
+        <p:nvSpPr>
+          <p:cNvPr id="68" name="PlaceHolder 2"/>
+          <p:cNvSpPr>
+            <a:spLocks noGrp="1"/>
+          </p:cNvSpPr>
+          <p:nvPr>
+            <p:ph type="body"/>
+          </p:nvPr>
+        </p:nvSpPr>
+        <p:spPr>
+          <a:xfrm>
+            <a:off x="457200" y="1604520"/>
+            <a:ext cx="8229240" cy="3977280"/>
+          </a:xfrm>
+          <a:prstGeom prst="rect">
+            <a:avLst/>
+          </a:prstGeom>
+        </p:spPr>
+        <p:txBody>
+          <a:bodyPr wrap="none" lIns="0" rIns="0" tIns="0" bIns="0"/>
+          <a:p>
+            <a:endParaRPr/>
+          </a:p>
+        </p:txBody>
+      </p:sp>
+      <p:sp>
+        <p:nvSpPr>
+          <p:cNvPr id="69" name="PlaceHolder 3"/>
+          <p:cNvSpPr>
+            <a:spLocks noGrp="1"/>
+          </p:cNvSpPr>
+          <p:nvPr>
+            <p:ph type="body"/>
+          </p:nvPr>
+        </p:nvSpPr>
+        <p:spPr>
+          <a:xfrm>
+            <a:off x="457200" y="1604520"/>
+            <a:ext cx="8229240" cy="3977280"/>
+          </a:xfrm>
+          <a:prstGeom prst="rect">
+            <a:avLst/>
+          </a:prstGeom>
+        </p:spPr>
+        <p:txBody>
+          <a:bodyPr wrap="none" lIns="0" rIns="0" tIns="0" bIns="0"/>
+          <a:p>
+            <a:endParaRPr/>
+          </a:p>
+        </p:txBody>
+      </p:sp>
+      <p:pic>
+        <p:nvPicPr>
+          <p:cNvPr id="70" name="" descr=""/>
+          <p:cNvPicPr/>
+          <p:nvPr/>
+        </p:nvPicPr>
+        <p:blipFill>
+          <a:blip r:embed="rId2"/>
+          <a:stretch>
+            <a:fillRect/>
+          </a:stretch>
+        </p:blipFill>
+        <p:spPr>
+          <a:xfrm>
+            <a:off x="2079000" y="1604520"/>
+            <a:ext cx="4985280" cy="3977280"/>
+          </a:xfrm>
+          <a:prstGeom prst="rect">
+            <a:avLst/>
+          </a:prstGeom>
+          <a:ln>
+            <a:noFill/>
+          </a:ln>
+        </p:spPr>
+      </p:pic>
+      <p:pic>
+        <p:nvPicPr>
+          <p:cNvPr id="71" name="" descr=""/>
+          <p:cNvPicPr/>
+          <p:nvPr/>
+        </p:nvPicPr>
+        <p:blipFill>
+          <a:blip r:embed="rId3"/>
+          <a:stretch>
+            <a:fillRect/>
+          </a:stretch>
+        </p:blipFill>
+        <p:spPr>
+          <a:xfrm>
+            <a:off x="2079000" y="1604520"/>
+            <a:ext cx="4985280" cy="3977280"/>
+          </a:xfrm>
+          <a:prstGeom prst="rect">
+            <a:avLst/>
+          </a:prstGeom>
+          <a:ln>
+            <a:noFill/>
+          </a:ln>
+        </p:spPr>
+      </p:pic>
+    </p:spTree>
+  </p:cSld>
+</p:sldLayout>
+</file>
+
+<file path=ppt/slideLayouts/slideLayout3.xml><?xml version="1.0" encoding="utf-8"?>
+<p:sldLayout xmlns:a="http://schemas.openxmlformats.org/drawingml/2006/main" xmlns:p="http://schemas.openxmlformats.org/presentationml/2006/main" xmlns:r="http://schemas.openxmlformats.org/officeDocument/2006/relationships" type="obj" preserve="1">
+  <p:cSld name="Title, Content">
+    <p:spTree>
+      <p:nvGrpSpPr>
+        <p:cNvPr id="1" name=""/>
+        <p:cNvGrpSpPr/>
+        <p:nvPr/>
+      </p:nvGrpSpPr>
+      <p:grpSpPr>
+        <a:xfrm>
+          <a:off x="0" y="0"/>
+          <a:ext cx="0" cy="0"/>
+          <a:chOff x="0" y="0"/>
+          <a:chExt cx="0" cy="0"/>
+        </a:xfrm>
+      </p:grpSpPr>
+      <p:sp>
+        <p:nvSpPr>
+          <p:cNvPr id="4" name="PlaceHolder 1"/>
+          <p:cNvSpPr>
+            <a:spLocks noGrp="1"/>
+          </p:cNvSpPr>
+          <p:nvPr>
+            <p:ph type="title"/>
+          </p:nvPr>
+        </p:nvSpPr>
+        <p:spPr>
+          <a:xfrm>
+            <a:off x="457200" y="273600"/>
+            <a:ext cx="8228880" cy="1145160"/>
+          </a:xfrm>
+          <a:prstGeom prst="rect">
+            <a:avLst/>
+          </a:prstGeom>
+        </p:spPr>
+        <p:txBody>
+          <a:bodyPr wrap="none" lIns="0" rIns="0" tIns="0" bIns="0" anchor="ctr"/>
+          <a:p>
+            <a:endParaRPr/>
+          </a:p>
+        </p:txBody>
+      </p:sp>
+      <p:sp>
+        <p:nvSpPr>
+          <p:cNvPr id="5" name="PlaceHolder 2"/>
+          <p:cNvSpPr>
+            <a:spLocks noGrp="1"/>
+          </p:cNvSpPr>
+          <p:nvPr>
+            <p:ph type="body"/>
+          </p:nvPr>
+        </p:nvSpPr>
+        <p:spPr>
+          <a:xfrm>
+            <a:off x="457200" y="1604520"/>
+            <a:ext cx="8229240" cy="3977280"/>
+          </a:xfrm>
+          <a:prstGeom prst="rect">
+            <a:avLst/>
+          </a:prstGeom>
+        </p:spPr>
+        <p:txBody>
+          <a:bodyPr wrap="none" lIns="0" rIns="0" tIns="0" bIns="0"/>
+          <a:p>
+            <a:endParaRPr/>
+          </a:p>
+        </p:txBody>
+      </p:sp>
+    </p:spTree>
+  </p:cSld>
+</p:sldLayout>
+</file>
+
+<file path=ppt/slideLayouts/slideLayout4.xml><?xml version="1.0" encoding="utf-8"?>
+<p:sldLayout xmlns:a="http://schemas.openxmlformats.org/drawingml/2006/main" xmlns:p="http://schemas.openxmlformats.org/presentationml/2006/main" xmlns:r="http://schemas.openxmlformats.org/officeDocument/2006/relationships" type="twoObj" preserve="1">
+  <p:cSld name="Title, 2 Content">
+    <p:spTree>
+      <p:nvGrpSpPr>
+        <p:cNvPr id="1" name=""/>
+        <p:cNvGrpSpPr/>
+        <p:nvPr/>
+      </p:nvGrpSpPr>
+      <p:grpSpPr>
+        <a:xfrm>
+          <a:off x="0" y="0"/>
+          <a:ext cx="0" cy="0"/>
+          <a:chOff x="0" y="0"/>
+          <a:chExt cx="0" cy="0"/>
+        </a:xfrm>
+      </p:grpSpPr>
+      <p:sp>
+        <p:nvSpPr>
+          <p:cNvPr id="6" name="PlaceHolder 1"/>
+          <p:cNvSpPr>
+            <a:spLocks noGrp="1"/>
+          </p:cNvSpPr>
+          <p:nvPr>
+            <p:ph type="title"/>
+          </p:nvPr>
+        </p:nvSpPr>
+        <p:spPr>
+          <a:xfrm>
+            <a:off x="457200" y="273600"/>
+            <a:ext cx="8228880" cy="1145160"/>
+          </a:xfrm>
+          <a:prstGeom prst="rect">
+            <a:avLst/>
+          </a:prstGeom>
+        </p:spPr>
+        <p:txBody>
+          <a:bodyPr wrap="none" lIns="0" rIns="0" tIns="0" bIns="0" anchor="ctr"/>
+          <a:p>
+            <a:endParaRPr/>
+          </a:p>
+        </p:txBody>
+      </p:sp>
+      <p:sp>
+        <p:nvSpPr>
+          <p:cNvPr id="7" name="PlaceHolder 2"/>
+          <p:cNvSpPr>
+            <a:spLocks noGrp="1"/>
+          </p:cNvSpPr>
+          <p:nvPr>
+            <p:ph type="body"/>
+          </p:nvPr>
+        </p:nvSpPr>
+        <p:spPr>
+          <a:xfrm>
+            <a:off x="457200" y="1604520"/>
+            <a:ext cx="4015800" cy="3977280"/>
+          </a:xfrm>
+          <a:prstGeom prst="rect">
+            <a:avLst/>
+          </a:prstGeom>
+        </p:spPr>
+        <p:txBody>
+          <a:bodyPr wrap="none" lIns="0" rIns="0" tIns="0" bIns="0"/>
+          <a:p>
+            <a:endParaRPr/>
+          </a:p>
+        </p:txBody>
+      </p:sp>
+      <p:sp>
+        <p:nvSpPr>
+          <p:cNvPr id="8" name="PlaceHolder 3"/>
+          <p:cNvSpPr>
+            <a:spLocks noGrp="1"/>
+          </p:cNvSpPr>
+          <p:nvPr>
+            <p:ph type="body"/>
+          </p:nvPr>
+        </p:nvSpPr>
+        <p:spPr>
+          <a:xfrm>
+            <a:off x="4674240" y="1604520"/>
+            <a:ext cx="4015800" cy="3977280"/>
+          </a:xfrm>
+          <a:prstGeom prst="rect">
+            <a:avLst/>
+          </a:prstGeom>
+        </p:spPr>
+        <p:txBody>
+          <a:bodyPr wrap="none" lIns="0" rIns="0" tIns="0" bIns="0"/>
+          <a:p>
+            <a:endParaRPr/>
+          </a:p>
+        </p:txBody>
+      </p:sp>
+    </p:spTree>
+  </p:cSld>
+</p:sldLayout>
+</file>
+
+<file path=ppt/slideLayouts/slideLayout5.xml><?xml version="1.0" encoding="utf-8"?>
+<p:sldLayout xmlns:a="http://schemas.openxmlformats.org/drawingml/2006/main" xmlns:p="http://schemas.openxmlformats.org/presentationml/2006/main" xmlns:r="http://schemas.openxmlformats.org/officeDocument/2006/relationships" type="titleOnly" preserve="1">
+  <p:cSld name="Title Only">
+    <p:spTree>
+      <p:nvGrpSpPr>
+        <p:cNvPr id="1" name=""/>
+        <p:cNvGrpSpPr/>
+        <p:nvPr/>
+      </p:nvGrpSpPr>
+      <p:grpSpPr>
+        <a:xfrm>
+          <a:off x="0" y="0"/>
+          <a:ext cx="0" cy="0"/>
+          <a:chOff x="0" y="0"/>
+          <a:chExt cx="0" cy="0"/>
+        </a:xfrm>
+      </p:grpSpPr>
+      <p:sp>
+        <p:nvSpPr>
+          <p:cNvPr id="9" name="PlaceHolder 1"/>
+          <p:cNvSpPr>
+            <a:spLocks noGrp="1"/>
+          </p:cNvSpPr>
+          <p:nvPr>
+            <p:ph type="title"/>
+          </p:nvPr>
+        </p:nvSpPr>
+        <p:spPr>
+          <a:xfrm>
+            <a:off x="457200" y="273600"/>
+            <a:ext cx="8228880" cy="1145160"/>
+          </a:xfrm>
+          <a:prstGeom prst="rect">
+            <a:avLst/>
+          </a:prstGeom>
+        </p:spPr>
+        <p:txBody>
+          <a:bodyPr wrap="none" lIns="0" rIns="0" tIns="0" bIns="0" anchor="ctr"/>
+          <a:p>
+            <a:endParaRPr/>
+          </a:p>
+        </p:txBody>
+      </p:sp>
+    </p:spTree>
+  </p:cSld>
+</p:sldLayout>
+</file>
+
+<file path=ppt/slideLayouts/slideLayout6.xml><?xml version="1.0" encoding="utf-8"?>
+<p:sldLayout xmlns:a="http://schemas.openxmlformats.org/drawingml/2006/main" xmlns:p="http://schemas.openxmlformats.org/presentationml/2006/main" xmlns:r="http://schemas.openxmlformats.org/officeDocument/2006/relationships" type="objOnly" preserve="1">
+  <p:cSld name="Centered Text">
+    <p:spTree>
+      <p:nvGrpSpPr>
+        <p:cNvPr id="1" name=""/>
+        <p:cNvGrpSpPr/>
+        <p:nvPr/>
+      </p:nvGrpSpPr>
+      <p:grpSpPr>
+        <a:xfrm>
+          <a:off x="0" y="0"/>
+          <a:ext cx="0" cy="0"/>
+          <a:chOff x="0" y="0"/>
+          <a:chExt cx="0" cy="0"/>
+        </a:xfrm>
+      </p:grpSpPr>
+      <p:sp>
+        <p:nvSpPr>
+          <p:cNvPr id="10" name="PlaceHolder 1"/>
+          <p:cNvSpPr>
+            <a:spLocks noGrp="1"/>
+          </p:cNvSpPr>
+          <p:nvPr>
+            <p:ph type="subTitle"/>
+          </p:nvPr>
+        </p:nvSpPr>
+        <p:spPr>
+          <a:xfrm>
+            <a:off x="457200" y="273600"/>
+            <a:ext cx="8228880" cy="5308200"/>
+          </a:xfrm>
+          <a:prstGeom prst="rect">
+            <a:avLst/>
+          </a:prstGeom>
+        </p:spPr>
+        <p:txBody>
+          <a:bodyPr wrap="none" lIns="0" rIns="0" tIns="0" bIns="0" anchor="ctr"/>
+          <a:p>
+            <a:pPr algn="ctr"/>
+            <a:endParaRPr/>
+          </a:p>
+        </p:txBody>
+      </p:sp>
+    </p:spTree>
+  </p:cSld>
+</p:sldLayout>
+</file>
+
+<file path=ppt/slideLayouts/slideLayout7.xml><?xml version="1.0" encoding="utf-8"?>
+<p:sldLayout xmlns:a="http://schemas.openxmlformats.org/drawingml/2006/main" xmlns:p="http://schemas.openxmlformats.org/presentationml/2006/main" xmlns:r="http://schemas.openxmlformats.org/officeDocument/2006/relationships" type="twoObjAndObj" preserve="1">
+  <p:cSld name="Title, 2 Content and Content">
+    <p:spTree>
+      <p:nvGrpSpPr>
+        <p:cNvPr id="1" name=""/>
+        <p:cNvGrpSpPr/>
+        <p:nvPr/>
+      </p:nvGrpSpPr>
+      <p:grpSpPr>
+        <a:xfrm>
+          <a:off x="0" y="0"/>
+          <a:ext cx="0" cy="0"/>
+          <a:chOff x="0" y="0"/>
+          <a:chExt cx="0" cy="0"/>
+        </a:xfrm>
+      </p:grpSpPr>
+      <p:sp>
+        <p:nvSpPr>
+          <p:cNvPr id="11" name="PlaceHolder 1"/>
+          <p:cNvSpPr>
+            <a:spLocks noGrp="1"/>
+          </p:cNvSpPr>
+          <p:nvPr>
+            <p:ph type="title"/>
+          </p:nvPr>
+        </p:nvSpPr>
+        <p:spPr>
+          <a:xfrm>
+            <a:off x="457200" y="273600"/>
+            <a:ext cx="8228880" cy="1145160"/>
+          </a:xfrm>
+          <a:prstGeom prst="rect">
+            <a:avLst/>
+          </a:prstGeom>
+        </p:spPr>
+        <p:txBody>
+          <a:bodyPr wrap="none" lIns="0" rIns="0" tIns="0" bIns="0" anchor="ctr"/>
+          <a:p>
+            <a:endParaRPr/>
+          </a:p>
+        </p:txBody>
+      </p:sp>
+      <p:sp>
+        <p:nvSpPr>
+          <p:cNvPr id="12" name="PlaceHolder 2"/>
+          <p:cNvSpPr>
+            <a:spLocks noGrp="1"/>
+          </p:cNvSpPr>
+          <p:nvPr>
+            <p:ph type="body"/>
+          </p:nvPr>
+        </p:nvSpPr>
+        <p:spPr>
+          <a:xfrm>
+            <a:off x="457200" y="1604520"/>
+            <a:ext cx="4015800" cy="1896840"/>
+          </a:xfrm>
+          <a:prstGeom prst="rect">
+            <a:avLst/>
+          </a:prstGeom>
+        </p:spPr>
+        <p:txBody>
+          <a:bodyPr wrap="none" lIns="0" rIns="0" tIns="0" bIns="0"/>
+          <a:p>
+            <a:endParaRPr/>
+          </a:p>
+        </p:txBody>
+      </p:sp>
+      <p:sp>
+        <p:nvSpPr>
+          <p:cNvPr id="13" name="PlaceHolder 3"/>
+          <p:cNvSpPr>
+            <a:spLocks noGrp="1"/>
+          </p:cNvSpPr>
+          <p:nvPr>
+            <p:ph type="body"/>
+          </p:nvPr>
+        </p:nvSpPr>
+        <p:spPr>
+          <a:xfrm>
+            <a:off x="457200" y="3682080"/>
+            <a:ext cx="4015800" cy="1896840"/>
+          </a:xfrm>
+          <a:prstGeom prst="rect">
+            <a:avLst/>
+          </a:prstGeom>
+        </p:spPr>
+        <p:txBody>
+          <a:bodyPr wrap="none" lIns="0" rIns="0" tIns="0" bIns="0"/>
+          <a:p>
+            <a:endParaRPr/>
+          </a:p>
+        </p:txBody>
+      </p:sp>
+      <p:sp>
+        <p:nvSpPr>
+          <p:cNvPr id="14" name="PlaceHolder 4"/>
+          <p:cNvSpPr>
+            <a:spLocks noGrp="1"/>
+          </p:cNvSpPr>
+          <p:nvPr>
+            <p:ph type="body"/>
+          </p:nvPr>
+        </p:nvSpPr>
+        <p:spPr>
+          <a:xfrm>
+            <a:off x="4674240" y="1604520"/>
+            <a:ext cx="4015800" cy="3977280"/>
+          </a:xfrm>
+          <a:prstGeom prst="rect">
+            <a:avLst/>
+          </a:prstGeom>
+        </p:spPr>
+        <p:txBody>
+          <a:bodyPr wrap="none" lIns="0" rIns="0" tIns="0" bIns="0"/>
+          <a:p>
+            <a:endParaRPr/>
+          </a:p>
+        </p:txBody>
+      </p:sp>
+    </p:spTree>
+  </p:cSld>
+</p:sldLayout>
+</file>
+
+<file path=ppt/slideLayouts/slideLayout8.xml><?xml version="1.0" encoding="utf-8"?>
+<p:sldLayout xmlns:a="http://schemas.openxmlformats.org/drawingml/2006/main" xmlns:p="http://schemas.openxmlformats.org/presentationml/2006/main" xmlns:r="http://schemas.openxmlformats.org/officeDocument/2006/relationships" type="objAndTwoObj" preserve="1">
+  <p:cSld name="Title Content and 2 Content">
+    <p:spTree>
+      <p:nvGrpSpPr>
+        <p:cNvPr id="1" name=""/>
+        <p:cNvGrpSpPr/>
+        <p:nvPr/>
+      </p:nvGrpSpPr>
+      <p:grpSpPr>
+        <a:xfrm>
+          <a:off x="0" y="0"/>
+          <a:ext cx="0" cy="0"/>
+          <a:chOff x="0" y="0"/>
+          <a:chExt cx="0" cy="0"/>
+        </a:xfrm>
+      </p:grpSpPr>
+      <p:sp>
+        <p:nvSpPr>
+          <p:cNvPr id="15" name="PlaceHolder 1"/>
+          <p:cNvSpPr>
+            <a:spLocks noGrp="1"/>
+          </p:cNvSpPr>
+          <p:nvPr>
+            <p:ph type="title"/>
+          </p:nvPr>
+        </p:nvSpPr>
+        <p:spPr>
+          <a:xfrm>
+            <a:off x="457200" y="273600"/>
+            <a:ext cx="8228880" cy="1145160"/>
+          </a:xfrm>
+          <a:prstGeom prst="rect">
+            <a:avLst/>
+          </a:prstGeom>
+        </p:spPr>
+        <p:txBody>
+          <a:bodyPr wrap="none" lIns="0" rIns="0" tIns="0" bIns="0" anchor="ctr"/>
+          <a:p>
+            <a:endParaRPr/>
+          </a:p>
+        </p:txBody>
+      </p:sp>
+      <p:sp>
+        <p:nvSpPr>
+          <p:cNvPr id="16" name="PlaceHolder 2"/>
+          <p:cNvSpPr>
+            <a:spLocks noGrp="1"/>
+          </p:cNvSpPr>
+          <p:nvPr>
+            <p:ph type="body"/>
+          </p:nvPr>
+        </p:nvSpPr>
+        <p:spPr>
+          <a:xfrm>
+            <a:off x="457200" y="1604520"/>
+            <a:ext cx="4015800" cy="3977280"/>
+          </a:xfrm>
+          <a:prstGeom prst="rect">
+            <a:avLst/>
+          </a:prstGeom>
+        </p:spPr>
+        <p:txBody>
+          <a:bodyPr wrap="none" lIns="0" rIns="0" tIns="0" bIns="0"/>
+          <a:p>
+            <a:endParaRPr/>
+          </a:p>
+        </p:txBody>
+      </p:sp>
+      <p:sp>
+        <p:nvSpPr>
+          <p:cNvPr id="17" name="PlaceHolder 3"/>
+          <p:cNvSpPr>
+            <a:spLocks noGrp="1"/>
+          </p:cNvSpPr>
+          <p:nvPr>
+            <p:ph type="body"/>
+          </p:nvPr>
+        </p:nvSpPr>
+        <p:spPr>
+          <a:xfrm>
+            <a:off x="4674240" y="1604520"/>
+            <a:ext cx="4015800" cy="1896840"/>
+          </a:xfrm>
+          <a:prstGeom prst="rect">
+            <a:avLst/>
+          </a:prstGeom>
+        </p:spPr>
+        <p:txBody>
+          <a:bodyPr wrap="none" lIns="0" rIns="0" tIns="0" bIns="0"/>
+          <a:p>
+            <a:endParaRPr/>
+          </a:p>
+        </p:txBody>
+      </p:sp>
+      <p:sp>
+        <p:nvSpPr>
+          <p:cNvPr id="18" name="PlaceHolder 4"/>
+          <p:cNvSpPr>
+            <a:spLocks noGrp="1"/>
+          </p:cNvSpPr>
+          <p:nvPr>
+            <p:ph type="body"/>
+          </p:nvPr>
+        </p:nvSpPr>
+        <p:spPr>
+          <a:xfrm>
+            <a:off x="4674240" y="3682080"/>
+            <a:ext cx="4015800" cy="1896840"/>
+          </a:xfrm>
+          <a:prstGeom prst="rect">
+            <a:avLst/>
+          </a:prstGeom>
+        </p:spPr>
+        <p:txBody>
+          <a:bodyPr wrap="none" lIns="0" rIns="0" tIns="0" bIns="0"/>
+          <a:p>
+            <a:endParaRPr/>
+          </a:p>
+        </p:txBody>
+      </p:sp>
+    </p:spTree>
+  </p:cSld>
+</p:sldLayout>
+</file>
+
+<file path=ppt/slideLayouts/slideLayout9.xml><?xml version="1.0" encoding="utf-8"?>
+<p:sldLayout xmlns:a="http://schemas.openxmlformats.org/drawingml/2006/main" xmlns:p="http://schemas.openxmlformats.org/presentationml/2006/main" xmlns:r="http://schemas.openxmlformats.org/officeDocument/2006/relationships" type="twoObjOverTx" preserve="1">
+  <p:cSld name="Title, 2 Content over Content">
+    <p:spTree>
+      <p:nvGrpSpPr>
+        <p:cNvPr id="1" name=""/>
+        <p:cNvGrpSpPr/>
+        <p:nvPr/>
+      </p:nvGrpSpPr>
+      <p:grpSpPr>
+        <a:xfrm>
+          <a:off x="0" y="0"/>
+          <a:ext cx="0" cy="0"/>
+          <a:chOff x="0" y="0"/>
+          <a:chExt cx="0" cy="0"/>
+        </a:xfrm>
+      </p:grpSpPr>
+      <p:sp>
+        <p:nvSpPr>
+          <p:cNvPr id="19" name="PlaceHolder 1"/>
+          <p:cNvSpPr>
+            <a:spLocks noGrp="1"/>
+          </p:cNvSpPr>
+          <p:nvPr>
+            <p:ph type="title"/>
+          </p:nvPr>
+        </p:nvSpPr>
+        <p:spPr>
+          <a:xfrm>
+            <a:off x="457200" y="273600"/>
+            <a:ext cx="8228880" cy="1145160"/>
+          </a:xfrm>
+          <a:prstGeom prst="rect">
+            <a:avLst/>
+          </a:prstGeom>
+        </p:spPr>
+        <p:txBody>
+          <a:bodyPr wrap="none" lIns="0" rIns="0" tIns="0" bIns="0" anchor="ctr"/>
+          <a:p>
+            <a:endParaRPr/>
+          </a:p>
+        </p:txBody>
+      </p:sp>
+      <p:sp>
+        <p:nvSpPr>
+          <p:cNvPr id="20" name="PlaceHolder 2"/>
+          <p:cNvSpPr>
+            <a:spLocks noGrp="1"/>
+          </p:cNvSpPr>
+          <p:nvPr>
+            <p:ph type="body"/>
+          </p:nvPr>
+        </p:nvSpPr>
+        <p:spPr>
+          <a:xfrm>
+            <a:off x="457200" y="1604520"/>
+            <a:ext cx="4015800" cy="1896840"/>
+          </a:xfrm>
+          <a:prstGeom prst="rect">
+            <a:avLst/>
+          </a:prstGeom>
+        </p:spPr>
+        <p:txBody>
+          <a:bodyPr wrap="none" lIns="0" rIns="0" tIns="0" bIns="0"/>
+          <a:p>
+            <a:endParaRPr/>
+          </a:p>
+        </p:txBody>
+      </p:sp>
+      <p:sp>
+        <p:nvSpPr>
+          <p:cNvPr id="21" name="PlaceHolder 3"/>
+          <p:cNvSpPr>
+            <a:spLocks noGrp="1"/>
+          </p:cNvSpPr>
+          <p:nvPr>
+            <p:ph type="body"/>
+          </p:nvPr>
+        </p:nvSpPr>
+        <p:spPr>
+          <a:xfrm>
+            <a:off x="4674240" y="1604520"/>
+            <a:ext cx="4015800" cy="1896840"/>
+          </a:xfrm>
+          <a:prstGeom prst="rect">
+            <a:avLst/>
+          </a:prstGeom>
+        </p:spPr>
+        <p:txBody>
+          <a:bodyPr wrap="none" lIns="0" rIns="0" tIns="0" bIns="0"/>
+          <a:p>
+            <a:endParaRPr/>
+          </a:p>
+        </p:txBody>
+      </p:sp>
+      <p:sp>
+        <p:nvSpPr>
+          <p:cNvPr id="22" name="PlaceHolder 4"/>
+          <p:cNvSpPr>
+            <a:spLocks noGrp="1"/>
+          </p:cNvSpPr>
+          <p:nvPr>
+            <p:ph type="body"/>
+          </p:nvPr>
+        </p:nvSpPr>
+        <p:spPr>
+          <a:xfrm>
+            <a:off x="457200" y="3682080"/>
+            <a:ext cx="8229240" cy="1896840"/>
+          </a:xfrm>
+          <a:prstGeom prst="rect">
+            <a:avLst/>
+          </a:prstGeom>
+        </p:spPr>
+        <p:txBody>
+          <a:bodyPr wrap="none" lIns="0" rIns="0" tIns="0" bIns="0"/>
+          <a:p>
+            <a:endParaRPr/>
+          </a:p>
+        </p:txBody>
+      </p:sp>
+    </p:spTree>
+  </p:cSld>
 </p:sldLayout>
 </file>
 
 <file path=ppt/slideMasters/slideMaster1.xml><?xml version="1.0" encoding="utf-8"?>
-<p:sldMaster xmlns:a="http://schemas.openxmlformats.org/drawingml/2006/main" xmlns:r="http://schemas.openxmlformats.org/officeDocument/2006/relationships" xmlns:p="http://schemas.openxmlformats.org/presentationml/2006/main">
+<p:sldMaster xmlns:a="http://schemas.openxmlformats.org/drawingml/2006/main" xmlns:p="http://schemas.openxmlformats.org/presentationml/2006/main" xmlns:r="http://schemas.openxmlformats.org/officeDocument/2006/relationships">
   <p:cSld>
     <p:bg>
       <p:bgPr>
         <a:solidFill>
-          <a:srgbClr val="FFFFFF"/>
+          <a:srgbClr val="ffffff"/>
         </a:solidFill>
-        <a:effectLst/>
       </p:bgPr>
     </p:bg>
     <p:spTree>
@@ -1364,7 +2339,7 @@
       </p:grpSpPr>
       <p:sp>
         <p:nvSpPr>
-          <p:cNvPr id="2" name="PlaceHolder 1"/>
+          <p:cNvPr id="0" name="PlaceHolder 1"/>
           <p:cNvSpPr>
             <a:spLocks noGrp="1"/>
           </p:cNvSpPr>
@@ -1382,12 +2357,10 @@
           </a:prstGeom>
         </p:spPr>
         <p:txBody>
-          <a:bodyPr wrap="none" lIns="0" tIns="0" rIns="0" bIns="0" anchor="ctr"/>
-          <a:lstStyle/>
-          <a:p>
-            <a:pPr algn="ctr"/>
-            <a:r>
-              <a:rPr lang="es-ES"/>
+          <a:bodyPr wrap="none" lIns="0" rIns="0" tIns="0" bIns="0" anchor="ctr"/>
+          <a:p>
+            <a:r>
+              <a:rPr lang="en-US"/>
               <a:t>Click to edit the title text format</a:t>
             </a:r>
             <a:endParaRPr/>
@@ -1396,7 +2369,7 @@
       </p:sp>
       <p:sp>
         <p:nvSpPr>
-          <p:cNvPr id="3" name="PlaceHolder 2"/>
+          <p:cNvPr id="1" name="PlaceHolder 2"/>
           <p:cNvSpPr>
             <a:spLocks noGrp="1"/>
           </p:cNvSpPr>
@@ -1414,8 +2387,7 @@
           </a:prstGeom>
         </p:spPr>
         <p:txBody>
-          <a:bodyPr wrap="none" lIns="0" tIns="0" rIns="0" bIns="0"/>
-          <a:lstStyle/>
+          <a:bodyPr wrap="none" lIns="0" rIns="0" tIns="0" bIns="0"/>
           <a:p>
             <a:pPr>
               <a:buSzPct val="25000"/>
@@ -1423,7 +2395,7 @@
               <a:buChar char=""/>
             </a:pPr>
             <a:r>
-              <a:rPr lang="es-ES"/>
+              <a:rPr lang="en-US"/>
               <a:t>Click to edit the outline text format</a:t>
             </a:r>
             <a:endParaRPr/>
@@ -1435,7 +2407,7 @@
               <a:buChar char=""/>
             </a:pPr>
             <a:r>
-              <a:rPr lang="es-ES"/>
+              <a:rPr lang="en-US"/>
               <a:t>Second Outline Level</a:t>
             </a:r>
             <a:endParaRPr/>
@@ -1447,7 +2419,7 @@
               <a:buChar char=""/>
             </a:pPr>
             <a:r>
-              <a:rPr lang="es-ES"/>
+              <a:rPr lang="en-US"/>
               <a:t>Third Outline Level</a:t>
             </a:r>
             <a:endParaRPr/>
@@ -1459,7 +2431,7 @@
               <a:buChar char=""/>
             </a:pPr>
             <a:r>
-              <a:rPr lang="es-ES"/>
+              <a:rPr lang="en-US"/>
               <a:t>Fourth Outline Level</a:t>
             </a:r>
             <a:endParaRPr/>
@@ -1471,7 +2443,7 @@
               <a:buChar char=""/>
             </a:pPr>
             <a:r>
-              <a:rPr lang="es-ES"/>
+              <a:rPr lang="en-US"/>
               <a:t>Fifth Outline Level</a:t>
             </a:r>
             <a:endParaRPr/>
@@ -1483,7 +2455,7 @@
               <a:buChar char=""/>
             </a:pPr>
             <a:r>
-              <a:rPr lang="es-ES"/>
+              <a:rPr lang="en-US"/>
               <a:t>Sixth Outline Level</a:t>
             </a:r>
             <a:endParaRPr/>
@@ -1495,7 +2467,7 @@
               <a:buChar char=""/>
             </a:pPr>
             <a:r>
-              <a:rPr lang="es-ES"/>
+              <a:rPr lang="en-US"/>
               <a:t>Seventh Outline Level</a:t>
             </a:r>
             <a:endParaRPr/>
@@ -1504,31 +2476,207 @@
       </p:sp>
     </p:spTree>
   </p:cSld>
-  <p:clrMap bg1="lt1" tx1="dk1" bg2="lt2" tx2="dk2" accent1="accent1" accent2="accent2" accent3="accent3" accent4="accent4" accent5="accent5" accent6="accent6" hlink="hlink" folHlink="folHlink"/>
+  <p:clrMap bg1="lt1" bg2="lt2" tx1="dk1" tx2="dk2" accent1="accent1" accent2="accent2" accent3="accent3" accent4="accent4" accent5="accent5" accent6="accent6" hlink="hlink" folHlink="folHlink"/>
   <p:sldLayoutIdLst>
-    <p:sldLayoutId id="2147483649" r:id="rId1"/>
-    <p:sldLayoutId id="2147483650" r:id="rId2"/>
-    <p:sldLayoutId id="2147483651" r:id="rId3"/>
-    <p:sldLayoutId id="2147483652" r:id="rId4"/>
-    <p:sldLayoutId id="2147483653" r:id="rId5"/>
-    <p:sldLayoutId id="2147483654" r:id="rId6"/>
-    <p:sldLayoutId id="2147483655" r:id="rId7"/>
-    <p:sldLayoutId id="2147483656" r:id="rId8"/>
-    <p:sldLayoutId id="2147483657" r:id="rId9"/>
-    <p:sldLayoutId id="2147483658" r:id="rId10"/>
-    <p:sldLayoutId id="2147483659" r:id="rId11"/>
-    <p:sldLayoutId id="2147483660" r:id="rId12"/>
+    <p:sldLayoutId id="2147483649" r:id="rId2"/>
+    <p:sldLayoutId id="2147483650" r:id="rId3"/>
+    <p:sldLayoutId id="2147483651" r:id="rId4"/>
+    <p:sldLayoutId id="2147483652" r:id="rId5"/>
+    <p:sldLayoutId id="2147483653" r:id="rId6"/>
+    <p:sldLayoutId id="2147483654" r:id="rId7"/>
+    <p:sldLayoutId id="2147483655" r:id="rId8"/>
+    <p:sldLayoutId id="2147483656" r:id="rId9"/>
+    <p:sldLayoutId id="2147483657" r:id="rId10"/>
+    <p:sldLayoutId id="2147483658" r:id="rId11"/>
+    <p:sldLayoutId id="2147483659" r:id="rId12"/>
+    <p:sldLayoutId id="2147483660" r:id="rId13"/>
   </p:sldLayoutIdLst>
-  <p:txStyles>
-    <p:titleStyle/>
-    <p:bodyStyle/>
-    <p:otherStyle/>
-  </p:txStyles>
+</p:sldMaster>
+</file>
+
+<file path=ppt/slideMasters/slideMaster2.xml><?xml version="1.0" encoding="utf-8"?>
+<p:sldMaster xmlns:a="http://schemas.openxmlformats.org/drawingml/2006/main" xmlns:p="http://schemas.openxmlformats.org/presentationml/2006/main" xmlns:r="http://schemas.openxmlformats.org/officeDocument/2006/relationships">
+  <p:cSld>
+    <p:bg>
+      <p:bgPr>
+        <a:solidFill>
+          <a:srgbClr val="ffffff"/>
+        </a:solidFill>
+      </p:bgPr>
+    </p:bg>
+    <p:spTree>
+      <p:nvGrpSpPr>
+        <p:cNvPr id="1" name=""/>
+        <p:cNvGrpSpPr/>
+        <p:nvPr/>
+      </p:nvGrpSpPr>
+      <p:grpSpPr>
+        <a:xfrm>
+          <a:off x="0" y="0"/>
+          <a:ext cx="0" cy="0"/>
+          <a:chOff x="0" y="0"/>
+          <a:chExt cx="0" cy="0"/>
+        </a:xfrm>
+      </p:grpSpPr>
+      <p:sp>
+        <p:nvSpPr>
+          <p:cNvPr id="36" name="PlaceHolder 1"/>
+          <p:cNvSpPr>
+            <a:spLocks noGrp="1"/>
+          </p:cNvSpPr>
+          <p:nvPr>
+            <p:ph type="title"/>
+          </p:nvPr>
+        </p:nvSpPr>
+        <p:spPr>
+          <a:xfrm>
+            <a:off x="457200" y="273600"/>
+            <a:ext cx="8228880" cy="1144800"/>
+          </a:xfrm>
+          <a:prstGeom prst="rect">
+            <a:avLst/>
+          </a:prstGeom>
+        </p:spPr>
+        <p:txBody>
+          <a:bodyPr wrap="none" lIns="0" rIns="0" tIns="0" bIns="0" anchor="ctr"/>
+          <a:p>
+            <a:r>
+              <a:rPr lang="en-US"/>
+              <a:t>Click to edit the title text format</a:t>
+            </a:r>
+            <a:endParaRPr/>
+          </a:p>
+        </p:txBody>
+      </p:sp>
+      <p:sp>
+        <p:nvSpPr>
+          <p:cNvPr id="37" name="PlaceHolder 2"/>
+          <p:cNvSpPr>
+            <a:spLocks noGrp="1"/>
+          </p:cNvSpPr>
+          <p:nvPr>
+            <p:ph type="body"/>
+          </p:nvPr>
+        </p:nvSpPr>
+        <p:spPr>
+          <a:xfrm>
+            <a:off x="457200" y="1604520"/>
+            <a:ext cx="8229240" cy="3977280"/>
+          </a:xfrm>
+          <a:prstGeom prst="rect">
+            <a:avLst/>
+          </a:prstGeom>
+        </p:spPr>
+        <p:txBody>
+          <a:bodyPr wrap="none" lIns="0" rIns="0" tIns="0" bIns="0"/>
+          <a:p>
+            <a:pPr>
+              <a:buSzPct val="25000"/>
+              <a:buFont typeface="StarSymbol"/>
+              <a:buChar char=""/>
+            </a:pPr>
+            <a:r>
+              <a:rPr lang="en-US"/>
+              <a:t>Click to edit the outline text format</a:t>
+            </a:r>
+            <a:endParaRPr/>
+          </a:p>
+          <a:p>
+            <a:pPr lvl="1">
+              <a:buSzPct val="25000"/>
+              <a:buFont typeface="StarSymbol"/>
+              <a:buChar char=""/>
+            </a:pPr>
+            <a:r>
+              <a:rPr lang="en-US"/>
+              <a:t>Second Outline Level</a:t>
+            </a:r>
+            <a:endParaRPr/>
+          </a:p>
+          <a:p>
+            <a:pPr lvl="2">
+              <a:buSzPct val="25000"/>
+              <a:buFont typeface="StarSymbol"/>
+              <a:buChar char=""/>
+            </a:pPr>
+            <a:r>
+              <a:rPr lang="en-US"/>
+              <a:t>Third Outline Level</a:t>
+            </a:r>
+            <a:endParaRPr/>
+          </a:p>
+          <a:p>
+            <a:pPr lvl="3">
+              <a:buSzPct val="25000"/>
+              <a:buFont typeface="StarSymbol"/>
+              <a:buChar char=""/>
+            </a:pPr>
+            <a:r>
+              <a:rPr lang="en-US"/>
+              <a:t>Fourth Outline Level</a:t>
+            </a:r>
+            <a:endParaRPr/>
+          </a:p>
+          <a:p>
+            <a:pPr lvl="4">
+              <a:buSzPct val="25000"/>
+              <a:buFont typeface="StarSymbol"/>
+              <a:buChar char=""/>
+            </a:pPr>
+            <a:r>
+              <a:rPr lang="en-US"/>
+              <a:t>Fifth Outline Level</a:t>
+            </a:r>
+            <a:endParaRPr/>
+          </a:p>
+          <a:p>
+            <a:pPr lvl="5">
+              <a:buSzPct val="25000"/>
+              <a:buFont typeface="StarSymbol"/>
+              <a:buChar char=""/>
+            </a:pPr>
+            <a:r>
+              <a:rPr lang="en-US"/>
+              <a:t>Sixth Outline Level</a:t>
+            </a:r>
+            <a:endParaRPr/>
+          </a:p>
+          <a:p>
+            <a:pPr lvl="6">
+              <a:buSzPct val="25000"/>
+              <a:buFont typeface="StarSymbol"/>
+              <a:buChar char=""/>
+            </a:pPr>
+            <a:r>
+              <a:rPr lang="en-US"/>
+              <a:t>Seventh Outline Level</a:t>
+            </a:r>
+            <a:endParaRPr/>
+          </a:p>
+        </p:txBody>
+      </p:sp>
+    </p:spTree>
+  </p:cSld>
+  <p:clrMap bg1="lt1" bg2="lt2" tx1="dk1" tx2="dk2" accent1="accent1" accent2="accent2" accent3="accent3" accent4="accent4" accent5="accent5" accent6="accent6" hlink="hlink" folHlink="folHlink"/>
+  <p:sldLayoutIdLst>
+    <p:sldLayoutId id="2147483662" r:id="rId2"/>
+    <p:sldLayoutId id="2147483663" r:id="rId3"/>
+    <p:sldLayoutId id="2147483664" r:id="rId4"/>
+    <p:sldLayoutId id="2147483665" r:id="rId5"/>
+    <p:sldLayoutId id="2147483666" r:id="rId6"/>
+    <p:sldLayoutId id="2147483667" r:id="rId7"/>
+    <p:sldLayoutId id="2147483668" r:id="rId8"/>
+    <p:sldLayoutId id="2147483669" r:id="rId9"/>
+    <p:sldLayoutId id="2147483670" r:id="rId10"/>
+    <p:sldLayoutId id="2147483671" r:id="rId11"/>
+    <p:sldLayoutId id="2147483672" r:id="rId12"/>
+    <p:sldLayoutId id="2147483673" r:id="rId13"/>
+  </p:sldLayoutIdLst>
 </p:sldMaster>
 </file>
 
 <file path=ppt/slides/slide1.xml><?xml version="1.0" encoding="utf-8"?>
-<p:sld xmlns:a="http://schemas.openxmlformats.org/drawingml/2006/main" xmlns:r="http://schemas.openxmlformats.org/officeDocument/2006/relationships" xmlns:p="http://schemas.openxmlformats.org/presentationml/2006/main">
+<p:sld xmlns:a="http://schemas.openxmlformats.org/drawingml/2006/main" xmlns:p="http://schemas.openxmlformats.org/presentationml/2006/main" xmlns:r="http://schemas.openxmlformats.org/officeDocument/2006/relationships">
   <p:cSld>
     <p:spTree>
       <p:nvGrpSpPr>
@@ -1546,14 +2694,14 @@
       </p:grpSpPr>
       <p:sp>
         <p:nvSpPr>
-          <p:cNvPr id="36" name="CustomShape 1"/>
+          <p:cNvPr id="72" name="CustomShape 1"/>
           <p:cNvSpPr/>
           <p:nvPr/>
         </p:nvSpPr>
         <p:spPr>
           <a:xfrm>
             <a:off x="685800" y="2130480"/>
-            <a:ext cx="7770600" cy="1468080"/>
+            <a:ext cx="7770240" cy="1467720"/>
           </a:xfrm>
           <a:prstGeom prst="rect">
             <a:avLst/>
@@ -1564,8 +2712,7 @@
           </a:ln>
         </p:spPr>
         <p:txBody>
-          <a:bodyPr lIns="90000" tIns="45000" rIns="90000" bIns="45000" anchor="ctr"/>
-          <a:lstStyle/>
+          <a:bodyPr lIns="90000" rIns="90000" tIns="45000" bIns="45000" anchor="ctr"/>
           <a:p>
             <a:pPr algn="ctr">
               <a:lnSpc>
@@ -1573,99 +2720,47 @@
               </a:lnSpc>
             </a:pPr>
             <a:r>
-              <a:rPr lang="es-ES" sz="4400" dirty="0" err="1">
+              <a:rPr lang="es-ES" sz="4400">
                 <a:solidFill>
                   <a:srgbClr val="000000"/>
                 </a:solidFill>
                 <a:latin typeface="Calibri"/>
                 <a:ea typeface="DejaVu Sans"/>
               </a:rPr>
-              <a:t>Introduction</a:t>
-            </a:r>
-            <a:r>
-              <a:rPr lang="es-ES" sz="4400" dirty="0">
+              <a:t>IntroductiontoEV3</a:t>
+            </a:r>
+            <a:endParaRPr/>
+          </a:p>
+          <a:p>
+            <a:pPr algn="ctr">
+              <a:lnSpc>
+                <a:spcPct val="100000"/>
+              </a:lnSpc>
+            </a:pPr>
+            <a:r>
+              <a:rPr lang="es-ES" sz="4400">
                 <a:solidFill>
                   <a:srgbClr val="000000"/>
                 </a:solidFill>
                 <a:latin typeface="Calibri"/>
                 <a:ea typeface="DejaVu Sans"/>
               </a:rPr>
-              <a:t> to </a:t>
-            </a:r>
-            <a:r>
-              <a:rPr lang="es-ES" sz="4400" dirty="0" smtClean="0">
-                <a:solidFill>
-                  <a:srgbClr val="000000"/>
-                </a:solidFill>
-                <a:latin typeface="Calibri"/>
-                <a:ea typeface="DejaVu Sans"/>
-              </a:rPr>
-              <a:t>EV3 </a:t>
-            </a:r>
-            <a:r>
-              <a:rPr lang="es-ES" sz="4400" dirty="0" err="1" smtClean="0">
-                <a:solidFill>
-                  <a:srgbClr val="000000"/>
-                </a:solidFill>
-                <a:latin typeface="Calibri"/>
-                <a:ea typeface="DejaVu Sans"/>
-              </a:rPr>
-              <a:t>Programming</a:t>
-            </a:r>
-            <a:r>
-              <a:rPr lang="es-ES" sz="4400" dirty="0" smtClean="0">
-                <a:solidFill>
-                  <a:srgbClr val="000000"/>
-                </a:solidFill>
-                <a:latin typeface="Calibri"/>
-                <a:ea typeface="DejaVu Sans"/>
-              </a:rPr>
-              <a:t> </a:t>
-            </a:r>
-            <a:r>
-              <a:rPr lang="es-ES" sz="4400" dirty="0" err="1">
-                <a:solidFill>
-                  <a:srgbClr val="000000"/>
-                </a:solidFill>
-                <a:latin typeface="Calibri"/>
-                <a:ea typeface="DejaVu Sans"/>
-              </a:rPr>
-              <a:t>with</a:t>
-            </a:r>
-            <a:r>
-              <a:rPr lang="es-ES" sz="4400" dirty="0">
-                <a:solidFill>
-                  <a:srgbClr val="000000"/>
-                </a:solidFill>
-                <a:latin typeface="Calibri"/>
-                <a:ea typeface="DejaVu Sans"/>
-              </a:rPr>
-              <a:t> Lego </a:t>
-            </a:r>
-            <a:r>
-              <a:rPr lang="es-ES" sz="4400" dirty="0" err="1">
-                <a:solidFill>
-                  <a:srgbClr val="000000"/>
-                </a:solidFill>
-                <a:latin typeface="Calibri"/>
-                <a:ea typeface="DejaVu Sans"/>
-              </a:rPr>
-              <a:t>Mindstorms</a:t>
-            </a:r>
-            <a:endParaRPr dirty="0"/>
-          </a:p>
-        </p:txBody>
-      </p:sp>
-      <p:sp>
-        <p:nvSpPr>
-          <p:cNvPr id="37" name="CustomShape 2"/>
+              <a:t>Programming with Lego Mindstorms</a:t>
+            </a:r>
+            <a:endParaRPr/>
+          </a:p>
+        </p:txBody>
+      </p:sp>
+      <p:sp>
+        <p:nvSpPr>
+          <p:cNvPr id="73" name="CustomShape 2"/>
           <p:cNvSpPr/>
           <p:nvPr/>
         </p:nvSpPr>
         <p:spPr>
           <a:xfrm>
             <a:off x="1371600" y="3886200"/>
-            <a:ext cx="6399000" cy="1750680"/>
+            <a:ext cx="6398640" cy="1750320"/>
           </a:xfrm>
           <a:prstGeom prst="rect">
             <a:avLst/>
@@ -1676,8 +2771,7 @@
           </a:ln>
         </p:spPr>
         <p:txBody>
-          <a:bodyPr lIns="90000" tIns="45000" rIns="90000" bIns="45000"/>
-          <a:lstStyle/>
+          <a:bodyPr lIns="90000" rIns="90000" tIns="45000" bIns="45000"/>
           <a:p>
             <a:pPr algn="ctr">
               <a:lnSpc>
@@ -1687,7 +2781,7 @@
             <a:r>
               <a:rPr lang="es-ES" sz="3200">
                 <a:solidFill>
-                  <a:srgbClr val="8B8B8B"/>
+                  <a:srgbClr val="8b8b8b"/>
                 </a:solidFill>
                 <a:latin typeface="Calibri"/>
                 <a:ea typeface="DejaVu Sans"/>
@@ -1705,7 +2799,7 @@
             <a:r>
               <a:rPr lang="es-ES" sz="3200">
                 <a:solidFill>
-                  <a:srgbClr val="8B8B8B"/>
+                  <a:srgbClr val="8b8b8b"/>
                 </a:solidFill>
                 <a:latin typeface="Calibri"/>
                 <a:ea typeface="DejaVu Sans"/>
@@ -1718,9 +2812,6 @@
       </p:sp>
     </p:spTree>
   </p:cSld>
-  <p:clrMapOvr>
-    <a:masterClrMapping/>
-  </p:clrMapOvr>
   <p:timing>
     <p:tnLst>
       <p:par>
@@ -1729,14 +2820,14 @@
             <p:seq>
               <p:cTn id="2" nodeType="mainSeq"/>
               <p:prevCondLst>
-                <p:cond evt="onPrev" delay="0">
+                <p:cond delay="0" evt="onPrev">
                   <p:tgtEl>
                     <p:sldTgt/>
                   </p:tgtEl>
                 </p:cond>
               </p:prevCondLst>
               <p:nextCondLst>
-                <p:cond evt="onNext" delay="0">
+                <p:cond delay="0" evt="onNext">
                   <p:tgtEl>
                     <p:sldTgt/>
                   </p:tgtEl>
@@ -1752,7 +2843,7 @@
 </file>
 
 <file path=ppt/slides/slide2.xml><?xml version="1.0" encoding="utf-8"?>
-<p:sld xmlns:a="http://schemas.openxmlformats.org/drawingml/2006/main" xmlns:r="http://schemas.openxmlformats.org/officeDocument/2006/relationships" xmlns:p="http://schemas.openxmlformats.org/presentationml/2006/main">
+<p:sld xmlns:a="http://schemas.openxmlformats.org/drawingml/2006/main" xmlns:p="http://schemas.openxmlformats.org/presentationml/2006/main" xmlns:r="http://schemas.openxmlformats.org/officeDocument/2006/relationships">
   <p:cSld>
     <p:spTree>
       <p:nvGrpSpPr>
@@ -1770,256 +2861,219 @@
       </p:grpSpPr>
       <p:sp>
         <p:nvSpPr>
-          <p:cNvPr id="2" name="1 Título"/>
-          <p:cNvSpPr>
-            <a:spLocks noGrp="1"/>
-          </p:cNvSpPr>
-          <p:nvPr>
-            <p:ph type="title"/>
-          </p:nvPr>
-        </p:nvSpPr>
-        <p:spPr/>
-        <p:txBody>
-          <a:bodyPr/>
-          <a:lstStyle/>
-          <a:p>
-            <a:r>
-              <a:rPr lang="es-ES_tradnl" sz="2400" dirty="0" err="1" smtClean="0"/>
-              <a:t>Some</a:t>
-            </a:r>
-            <a:r>
-              <a:rPr lang="es-ES_tradnl" sz="2400" dirty="0" smtClean="0"/>
-              <a:t> </a:t>
-            </a:r>
-            <a:r>
-              <a:rPr lang="es-ES_tradnl" sz="2400" dirty="0" err="1" smtClean="0"/>
-              <a:t>questions</a:t>
-            </a:r>
-            <a:r>
-              <a:rPr lang="es-ES_tradnl" sz="2400" dirty="0" smtClean="0"/>
-              <a:t>:</a:t>
-            </a:r>
-            <a:endParaRPr lang="en-US" sz="2400" dirty="0"/>
-          </a:p>
-        </p:txBody>
-      </p:sp>
-      <p:sp>
-        <p:nvSpPr>
-          <p:cNvPr id="4" name="2 Subtítulo"/>
-          <p:cNvSpPr>
-            <a:spLocks noGrp="1"/>
-          </p:cNvSpPr>
-          <p:nvPr>
-            <p:ph type="subTitle"/>
-          </p:nvPr>
+          <p:cNvPr id="74" name="TextShape 1"/>
+          <p:cNvSpPr txBox="1"/>
+          <p:nvPr/>
+        </p:nvSpPr>
+        <p:spPr>
+          <a:xfrm>
+            <a:off x="457200" y="273600"/>
+            <a:ext cx="8228880" cy="1144800"/>
+          </a:xfrm>
+          <a:prstGeom prst="rect">
+            <a:avLst/>
+          </a:prstGeom>
+        </p:spPr>
+        <p:txBody>
+          <a:bodyPr lIns="0" rIns="0" tIns="0" bIns="0" anchor="ctr"/>
+          <a:p>
+            <a:r>
+              <a:rPr lang="en-US" sz="2400"/>
+              <a:t>Somequestions:</a:t>
+            </a:r>
+            <a:endParaRPr/>
+          </a:p>
+        </p:txBody>
+      </p:sp>
+      <p:sp>
+        <p:nvSpPr>
+          <p:cNvPr id="75" name="TextShape 2"/>
+          <p:cNvSpPr txBox="1"/>
+          <p:nvPr/>
         </p:nvSpPr>
         <p:spPr>
           <a:xfrm>
             <a:off x="457200" y="1604520"/>
-            <a:ext cx="8229240" cy="3977640"/>
-          </a:xfrm>
-        </p:spPr>
-        <p:txBody>
-          <a:bodyPr/>
-          <a:lstStyle/>
-          <a:p>
-            <a:r>
-              <a:rPr lang="en-US" b="1" dirty="0" smtClean="0"/>
+            <a:ext cx="8228880" cy="3977280"/>
+          </a:xfrm>
+          <a:prstGeom prst="rect">
+            <a:avLst/>
+          </a:prstGeom>
+        </p:spPr>
+        <p:txBody>
+          <a:bodyPr lIns="0" rIns="0" tIns="0" bIns="0" anchor="ctr"/>
+          <a:p>
+            <a:pPr algn="ctr"/>
+            <a:r>
+              <a:rPr b="1" lang="es-ES"/>
               <a:t>What is your problem to solve?</a:t>
             </a:r>
-          </a:p>
-          <a:p>
-            <a:pPr marL="285750" indent="-285750">
-              <a:buFontTx/>
+            <a:endParaRPr/>
+          </a:p>
+          <a:p>
+            <a:pPr>
+              <a:lnSpc>
+                <a:spcPct val="100000"/>
+              </a:lnSpc>
+              <a:buFont typeface="StarSymbol"/>
               <a:buChar char="-"/>
             </a:pPr>
             <a:r>
-              <a:rPr lang="es-ES_tradnl" dirty="0" smtClean="0"/>
-              <a:t>Describe in 2 </a:t>
-            </a:r>
-            <a:r>
-              <a:rPr lang="es-ES_tradnl" dirty="0" err="1" smtClean="0"/>
-              <a:t>lines</a:t>
-            </a:r>
-            <a:r>
-              <a:rPr lang="es-ES_tradnl" dirty="0" smtClean="0"/>
-              <a:t> </a:t>
-            </a:r>
-            <a:r>
-              <a:rPr lang="es-ES_tradnl" dirty="0" err="1" smtClean="0"/>
-              <a:t>the</a:t>
-            </a:r>
-            <a:r>
-              <a:rPr lang="es-ES_tradnl" dirty="0" smtClean="0"/>
-              <a:t> </a:t>
-            </a:r>
-            <a:r>
-              <a:rPr lang="es-ES_tradnl" dirty="0" err="1" smtClean="0"/>
-              <a:t>problem</a:t>
-            </a:r>
-            <a:r>
-              <a:rPr lang="es-ES_tradnl" dirty="0" smtClean="0"/>
-              <a:t>.</a:t>
-            </a:r>
-          </a:p>
-          <a:p>
-            <a:endParaRPr lang="es-ES_tradnl" dirty="0" smtClean="0"/>
-          </a:p>
-          <a:p>
-            <a:r>
-              <a:rPr lang="en-US" b="1" dirty="0" smtClean="0"/>
+              <a:rPr lang="es-ES"/>
+              <a:t>Describe in 2 lines the problem.</a:t>
+            </a:r>
+            <a:endParaRPr/>
+          </a:p>
+          <a:p>
+            <a:pPr>
+              <a:lnSpc>
+                <a:spcPct val="100000"/>
+              </a:lnSpc>
+            </a:pPr>
+            <a:endParaRPr/>
+          </a:p>
+          <a:p>
+            <a:pPr>
+              <a:lnSpc>
+                <a:spcPct val="100000"/>
+              </a:lnSpc>
+            </a:pPr>
+            <a:r>
+              <a:rPr b="1" lang="es-ES"/>
               <a:t>What kind of elements you have to handle?</a:t>
             </a:r>
-          </a:p>
-          <a:p>
-            <a:pPr marL="285750" indent="-285750">
-              <a:buFontTx/>
+            <a:endParaRPr/>
+          </a:p>
+          <a:p>
+            <a:pPr>
+              <a:lnSpc>
+                <a:spcPct val="100000"/>
+              </a:lnSpc>
+              <a:buFont typeface="StarSymbol"/>
               <a:buChar char="-"/>
             </a:pPr>
             <a:r>
-              <a:rPr lang="es-ES_tradnl" dirty="0" smtClean="0"/>
-              <a:t>Try to </a:t>
-            </a:r>
-            <a:r>
-              <a:rPr lang="es-ES_tradnl" dirty="0" err="1" smtClean="0"/>
-              <a:t>identify</a:t>
-            </a:r>
-            <a:r>
-              <a:rPr lang="es-ES_tradnl" dirty="0" smtClean="0"/>
-              <a:t> </a:t>
-            </a:r>
-            <a:r>
-              <a:rPr lang="es-ES_tradnl" dirty="0" err="1" smtClean="0"/>
-              <a:t>elements</a:t>
-            </a:r>
-            <a:r>
-              <a:rPr lang="es-ES_tradnl" dirty="0" smtClean="0"/>
-              <a:t> in </a:t>
-            </a:r>
-            <a:r>
-              <a:rPr lang="es-ES_tradnl" dirty="0" err="1" smtClean="0"/>
-              <a:t>the</a:t>
-            </a:r>
-            <a:r>
-              <a:rPr lang="es-ES_tradnl" dirty="0" smtClean="0"/>
-              <a:t> </a:t>
-            </a:r>
-            <a:r>
-              <a:rPr lang="es-ES_tradnl" dirty="0" err="1" smtClean="0"/>
-              <a:t>problem</a:t>
-            </a:r>
-            <a:r>
-              <a:rPr lang="es-ES_tradnl" dirty="0" smtClean="0"/>
-              <a:t>.</a:t>
-            </a:r>
-          </a:p>
-          <a:p>
-            <a:pPr marL="285750" indent="-285750">
-              <a:buFontTx/>
+              <a:rPr lang="es-ES"/>
+              <a:t>Try to identify elements in the problem.</a:t>
+            </a:r>
+            <a:endParaRPr/>
+          </a:p>
+          <a:p>
+            <a:pPr>
+              <a:lnSpc>
+                <a:spcPct val="100000"/>
+              </a:lnSpc>
+              <a:buFont typeface="StarSymbol"/>
               <a:buChar char="-"/>
             </a:pPr>
             <a:r>
-              <a:rPr lang="es-ES_tradnl" dirty="0" err="1" smtClean="0"/>
-              <a:t>Where</a:t>
-            </a:r>
-            <a:r>
-              <a:rPr lang="es-ES_tradnl" dirty="0" smtClean="0"/>
-              <a:t> </a:t>
-            </a:r>
-            <a:r>
-              <a:rPr lang="es-ES_tradnl" dirty="0" err="1" smtClean="0"/>
-              <a:t>is</a:t>
-            </a:r>
-            <a:r>
-              <a:rPr lang="es-ES_tradnl" dirty="0" smtClean="0"/>
-              <a:t> </a:t>
-            </a:r>
-            <a:r>
-              <a:rPr lang="es-ES_tradnl" dirty="0" err="1" smtClean="0"/>
-              <a:t>the</a:t>
-            </a:r>
-            <a:r>
-              <a:rPr lang="es-ES_tradnl" dirty="0" smtClean="0"/>
-              <a:t> blocks in EV3 </a:t>
-            </a:r>
-            <a:r>
-              <a:rPr lang="es-ES_tradnl" dirty="0" err="1" smtClean="0"/>
-              <a:t>Programming</a:t>
-            </a:r>
-            <a:r>
-              <a:rPr lang="es-ES_tradnl" dirty="0" smtClean="0"/>
-              <a:t> </a:t>
-            </a:r>
-            <a:r>
-              <a:rPr lang="es-ES_tradnl" dirty="0" err="1" smtClean="0"/>
-              <a:t>environment</a:t>
-            </a:r>
-            <a:r>
-              <a:rPr lang="es-ES_tradnl" dirty="0" smtClean="0"/>
-              <a:t>?</a:t>
-            </a:r>
-          </a:p>
-          <a:p>
-            <a:pPr marL="285750" indent="-285750">
-              <a:buFontTx/>
+              <a:rPr lang="es-ES"/>
+              <a:t>Where is the blocks in EV3 Programming environment?</a:t>
+            </a:r>
+            <a:endParaRPr/>
+          </a:p>
+          <a:p>
+            <a:pPr>
+              <a:lnSpc>
+                <a:spcPct val="100000"/>
+              </a:lnSpc>
+              <a:buFont typeface="StarSymbol"/>
               <a:buChar char="-"/>
             </a:pPr>
             <a:r>
-              <a:rPr lang="en-US" dirty="0" smtClean="0"/>
+              <a:rPr lang="es-ES"/>
               <a:t>Do these elements require configuration?</a:t>
             </a:r>
-            <a:endParaRPr lang="es-ES_tradnl" dirty="0" smtClean="0"/>
-          </a:p>
-          <a:p>
-            <a:pPr marL="285750" indent="-285750">
-              <a:buFontTx/>
-              <a:buChar char="-"/>
+            <a:endParaRPr/>
+          </a:p>
+          <a:p>
+            <a:pPr>
+              <a:lnSpc>
+                <a:spcPct val="100000"/>
+              </a:lnSpc>
             </a:pPr>
-            <a:endParaRPr lang="es-ES_tradnl" dirty="0"/>
-          </a:p>
-          <a:p>
-            <a:r>
-              <a:rPr lang="en-US" b="1" dirty="0" smtClean="0"/>
+            <a:endParaRPr/>
+          </a:p>
+          <a:p>
+            <a:pPr>
+              <a:lnSpc>
+                <a:spcPct val="100000"/>
+              </a:lnSpc>
+            </a:pPr>
+            <a:r>
+              <a:rPr b="1" lang="es-ES"/>
               <a:t>Is it possible to divide the problem in parts?</a:t>
             </a:r>
-          </a:p>
-          <a:p>
-            <a:endParaRPr lang="es-ES_tradnl" dirty="0" smtClean="0"/>
-          </a:p>
-          <a:p>
-            <a:pPr marL="285750" indent="-285750">
-              <a:buFontTx/>
-              <a:buChar char="-"/>
+            <a:endParaRPr/>
+          </a:p>
+          <a:p>
+            <a:pPr>
+              <a:lnSpc>
+                <a:spcPct val="100000"/>
+              </a:lnSpc>
             </a:pPr>
-            <a:endParaRPr lang="es-ES_tradnl" dirty="0"/>
-          </a:p>
-          <a:p>
-            <a:endParaRPr lang="es-ES_tradnl" dirty="0" smtClean="0"/>
-          </a:p>
-          <a:p>
-            <a:pPr marL="285750" lvl="2" indent="-285750">
-              <a:buFont typeface="Arial" panose="020B0604020202020204" pitchFamily="34" charset="0"/>
-              <a:buChar char="•"/>
+            <a:endParaRPr/>
+          </a:p>
+          <a:p>
+            <a:pPr>
+              <a:lnSpc>
+                <a:spcPct val="100000"/>
+              </a:lnSpc>
             </a:pPr>
-            <a:endParaRPr lang="en-US" dirty="0"/>
+            <a:endParaRPr/>
+          </a:p>
+          <a:p>
+            <a:pPr>
+              <a:lnSpc>
+                <a:spcPct val="100000"/>
+              </a:lnSpc>
+            </a:pPr>
+            <a:endParaRPr/>
+          </a:p>
+          <a:p>
+            <a:pPr>
+              <a:lnSpc>
+                <a:spcPct val="100000"/>
+              </a:lnSpc>
+            </a:pPr>
+            <a:endParaRPr/>
           </a:p>
         </p:txBody>
       </p:sp>
     </p:spTree>
-    <p:extLst>
-      <p:ext uri="{BB962C8B-B14F-4D97-AF65-F5344CB8AC3E}">
-        <p14:creationId xmlns:p14="http://schemas.microsoft.com/office/powerpoint/2010/main" val="2488558317"/>
-      </p:ext>
-    </p:extLst>
   </p:cSld>
-  <p:clrMapOvr>
-    <a:masterClrMapping/>
-  </p:clrMapOvr>
+  <p:timing>
+    <p:tnLst>
+      <p:par>
+        <p:cTn id="3" dur="indefinite" restart="never" nodeType="tmRoot">
+          <p:childTnLst>
+            <p:seq>
+              <p:cTn id="4" nodeType="mainSeq"/>
+              <p:prevCondLst>
+                <p:cond delay="0" evt="onPrev">
+                  <p:tgtEl>
+                    <p:sldTgt/>
+                  </p:tgtEl>
+                </p:cond>
+              </p:prevCondLst>
+              <p:nextCondLst>
+                <p:cond delay="0" evt="onNext">
+                  <p:tgtEl>
+                    <p:sldTgt/>
+                  </p:tgtEl>
+                </p:cond>
+              </p:nextCondLst>
+            </p:seq>
+          </p:childTnLst>
+        </p:cTn>
+      </p:par>
+    </p:tnLst>
+  </p:timing>
 </p:sld>
 </file>
 
 <file path=ppt/slides/slide3.xml><?xml version="1.0" encoding="utf-8"?>
-<p:sld xmlns:a="http://schemas.openxmlformats.org/drawingml/2006/main" xmlns:r="http://schemas.openxmlformats.org/officeDocument/2006/relationships" xmlns:p="http://schemas.openxmlformats.org/presentationml/2006/main">
+<p:sld xmlns:a="http://schemas.openxmlformats.org/drawingml/2006/main" xmlns:p="http://schemas.openxmlformats.org/presentationml/2006/main" xmlns:r="http://schemas.openxmlformats.org/officeDocument/2006/relationships">
   <p:cSld>
     <p:spTree>
       <p:nvGrpSpPr>
@@ -2037,69 +3091,91 @@
       </p:grpSpPr>
       <p:sp>
         <p:nvSpPr>
-          <p:cNvPr id="2" name="1 Título"/>
-          <p:cNvSpPr>
-            <a:spLocks noGrp="1"/>
-          </p:cNvSpPr>
-          <p:nvPr>
-            <p:ph type="title"/>
-          </p:nvPr>
-        </p:nvSpPr>
-        <p:spPr/>
-        <p:txBody>
-          <a:bodyPr/>
-          <a:lstStyle/>
-          <a:p>
-            <a:r>
-              <a:rPr lang="es-ES_tradnl" sz="2400" dirty="0" err="1" smtClean="0"/>
-              <a:t>Exercise</a:t>
-            </a:r>
-            <a:r>
-              <a:rPr lang="es-ES_tradnl" sz="2400" dirty="0" smtClean="0"/>
-              <a:t> 1</a:t>
-            </a:r>
-            <a:endParaRPr lang="en-US" sz="2400" dirty="0"/>
-          </a:p>
-        </p:txBody>
-      </p:sp>
-      <p:sp>
-        <p:nvSpPr>
-          <p:cNvPr id="3" name="2 Subtítulo"/>
-          <p:cNvSpPr>
-            <a:spLocks noGrp="1"/>
-          </p:cNvSpPr>
-          <p:nvPr>
-            <p:ph type="subTitle"/>
-          </p:nvPr>
-        </p:nvSpPr>
-        <p:spPr/>
-        <p:txBody>
-          <a:bodyPr/>
-          <a:lstStyle/>
-          <a:p>
-            <a:r>
-              <a:rPr lang="es-ES_tradnl" dirty="0" smtClean="0"/>
+          <p:cNvPr id="76" name="TextShape 1"/>
+          <p:cNvSpPr txBox="1"/>
+          <p:nvPr/>
+        </p:nvSpPr>
+        <p:spPr>
+          <a:xfrm>
+            <a:off x="457200" y="273600"/>
+            <a:ext cx="8228880" cy="1144800"/>
+          </a:xfrm>
+          <a:prstGeom prst="rect">
+            <a:avLst/>
+          </a:prstGeom>
+        </p:spPr>
+        <p:txBody>
+          <a:bodyPr lIns="0" rIns="0" tIns="0" bIns="0" anchor="ctr"/>
+          <a:p>
+            <a:r>
+              <a:rPr lang="en-US" sz="2400"/>
+              <a:t>Exercise1</a:t>
+            </a:r>
+            <a:endParaRPr/>
+          </a:p>
+        </p:txBody>
+      </p:sp>
+      <p:sp>
+        <p:nvSpPr>
+          <p:cNvPr id="77" name="TextShape 2"/>
+          <p:cNvSpPr txBox="1"/>
+          <p:nvPr/>
+        </p:nvSpPr>
+        <p:spPr>
+          <a:xfrm>
+            <a:off x="457200" y="1604520"/>
+            <a:ext cx="8228880" cy="3977280"/>
+          </a:xfrm>
+          <a:prstGeom prst="rect">
+            <a:avLst/>
+          </a:prstGeom>
+        </p:spPr>
+        <p:txBody>
+          <a:bodyPr lIns="0" rIns="0" tIns="0" bIns="0" anchor="ctr"/>
+          <a:p>
+            <a:pPr algn="ctr"/>
+            <a:r>
+              <a:rPr lang="es-ES"/>
               <a:t>Navega en línea recta durante 2 segundos</a:t>
             </a:r>
-            <a:endParaRPr lang="en-US" dirty="0"/>
+            <a:endParaRPr/>
           </a:p>
         </p:txBody>
       </p:sp>
     </p:spTree>
-    <p:extLst>
-      <p:ext uri="{BB962C8B-B14F-4D97-AF65-F5344CB8AC3E}">
-        <p14:creationId xmlns:p14="http://schemas.microsoft.com/office/powerpoint/2010/main" val="2955246067"/>
-      </p:ext>
-    </p:extLst>
   </p:cSld>
-  <p:clrMapOvr>
-    <a:masterClrMapping/>
-  </p:clrMapOvr>
+  <p:timing>
+    <p:tnLst>
+      <p:par>
+        <p:cTn id="5" dur="indefinite" restart="never" nodeType="tmRoot">
+          <p:childTnLst>
+            <p:seq>
+              <p:cTn id="6" nodeType="mainSeq"/>
+              <p:prevCondLst>
+                <p:cond delay="0" evt="onPrev">
+                  <p:tgtEl>
+                    <p:sldTgt/>
+                  </p:tgtEl>
+                </p:cond>
+              </p:prevCondLst>
+              <p:nextCondLst>
+                <p:cond delay="0" evt="onNext">
+                  <p:tgtEl>
+                    <p:sldTgt/>
+                  </p:tgtEl>
+                </p:cond>
+              </p:nextCondLst>
+            </p:seq>
+          </p:childTnLst>
+        </p:cTn>
+      </p:par>
+    </p:tnLst>
+  </p:timing>
 </p:sld>
 </file>
 
 <file path=ppt/slides/slide4.xml><?xml version="1.0" encoding="utf-8"?>
-<p:sld xmlns:a="http://schemas.openxmlformats.org/drawingml/2006/main" xmlns:r="http://schemas.openxmlformats.org/officeDocument/2006/relationships" xmlns:p="http://schemas.openxmlformats.org/presentationml/2006/main">
+<p:sld xmlns:a="http://schemas.openxmlformats.org/drawingml/2006/main" xmlns:p="http://schemas.openxmlformats.org/presentationml/2006/main" xmlns:r="http://schemas.openxmlformats.org/officeDocument/2006/relationships">
   <p:cSld>
     <p:spTree>
       <p:nvGrpSpPr>
@@ -2117,82 +3193,91 @@
       </p:grpSpPr>
       <p:sp>
         <p:nvSpPr>
-          <p:cNvPr id="3" name="2 Subtítulo"/>
-          <p:cNvSpPr>
-            <a:spLocks noGrp="1"/>
-          </p:cNvSpPr>
-          <p:nvPr>
-            <p:ph type="subTitle"/>
-          </p:nvPr>
-        </p:nvSpPr>
-        <p:spPr/>
-        <p:txBody>
-          <a:bodyPr/>
-          <a:lstStyle/>
-          <a:p>
-            <a:r>
-              <a:rPr lang="es-ES_tradnl" dirty="0" smtClean="0"/>
-              <a:t>Navega en </a:t>
-            </a:r>
-            <a:r>
-              <a:rPr lang="es-ES_tradnl" dirty="0" err="1" smtClean="0"/>
-              <a:t>linea</a:t>
-            </a:r>
-            <a:r>
-              <a:rPr lang="es-ES_tradnl" dirty="0" smtClean="0"/>
-              <a:t> recta 4 rotaciones y gira 90 grados</a:t>
-            </a:r>
-            <a:endParaRPr lang="en-US" dirty="0"/>
-          </a:p>
-        </p:txBody>
-      </p:sp>
-      <p:sp>
-        <p:nvSpPr>
-          <p:cNvPr id="4" name="1 Título"/>
-          <p:cNvSpPr>
-            <a:spLocks noGrp="1"/>
-          </p:cNvSpPr>
-          <p:nvPr>
-            <p:ph type="title"/>
-          </p:nvPr>
+          <p:cNvPr id="78" name="TextShape 1"/>
+          <p:cNvSpPr txBox="1"/>
+          <p:nvPr/>
+        </p:nvSpPr>
+        <p:spPr>
+          <a:xfrm>
+            <a:off x="457200" y="1604520"/>
+            <a:ext cx="8228880" cy="3977280"/>
+          </a:xfrm>
+          <a:prstGeom prst="rect">
+            <a:avLst/>
+          </a:prstGeom>
+        </p:spPr>
+        <p:txBody>
+          <a:bodyPr lIns="0" rIns="0" tIns="0" bIns="0" anchor="ctr"/>
+          <a:p>
+            <a:pPr algn="ctr"/>
+            <a:r>
+              <a:rPr lang="es-ES"/>
+              <a:t>Navega enlinearecta 4 rotaciones y gira 90 grados</a:t>
+            </a:r>
+            <a:endParaRPr/>
+          </a:p>
+        </p:txBody>
+      </p:sp>
+      <p:sp>
+        <p:nvSpPr>
+          <p:cNvPr id="79" name="TextShape 2"/>
+          <p:cNvSpPr txBox="1"/>
+          <p:nvPr/>
         </p:nvSpPr>
         <p:spPr>
           <a:xfrm>
             <a:off x="457200" y="273600"/>
-            <a:ext cx="8229240" cy="1145160"/>
-          </a:xfrm>
-        </p:spPr>
-        <p:txBody>
-          <a:bodyPr/>
-          <a:lstStyle/>
-          <a:p>
-            <a:r>
-              <a:rPr lang="es-ES_tradnl" sz="2400" dirty="0" err="1" smtClean="0"/>
-              <a:t>Exercise</a:t>
-            </a:r>
-            <a:r>
-              <a:rPr lang="es-ES_tradnl" sz="2400" dirty="0" smtClean="0"/>
-              <a:t> 2</a:t>
-            </a:r>
-            <a:endParaRPr lang="en-US" sz="2400" dirty="0"/>
+            <a:ext cx="8228880" cy="1144800"/>
+          </a:xfrm>
+          <a:prstGeom prst="rect">
+            <a:avLst/>
+          </a:prstGeom>
+        </p:spPr>
+        <p:txBody>
+          <a:bodyPr lIns="0" rIns="0" tIns="0" bIns="0" anchor="ctr"/>
+          <a:p>
+            <a:r>
+              <a:rPr lang="en-US" sz="2400"/>
+              <a:t>Exercise2</a:t>
+            </a:r>
+            <a:endParaRPr/>
           </a:p>
         </p:txBody>
       </p:sp>
     </p:spTree>
-    <p:extLst>
-      <p:ext uri="{BB962C8B-B14F-4D97-AF65-F5344CB8AC3E}">
-        <p14:creationId xmlns:p14="http://schemas.microsoft.com/office/powerpoint/2010/main" val="465370284"/>
-      </p:ext>
-    </p:extLst>
   </p:cSld>
-  <p:clrMapOvr>
-    <a:masterClrMapping/>
-  </p:clrMapOvr>
+  <p:timing>
+    <p:tnLst>
+      <p:par>
+        <p:cTn id="7" dur="indefinite" restart="never" nodeType="tmRoot">
+          <p:childTnLst>
+            <p:seq>
+              <p:cTn id="8" nodeType="mainSeq"/>
+              <p:prevCondLst>
+                <p:cond delay="0" evt="onPrev">
+                  <p:tgtEl>
+                    <p:sldTgt/>
+                  </p:tgtEl>
+                </p:cond>
+              </p:prevCondLst>
+              <p:nextCondLst>
+                <p:cond delay="0" evt="onNext">
+                  <p:tgtEl>
+                    <p:sldTgt/>
+                  </p:tgtEl>
+                </p:cond>
+              </p:nextCondLst>
+            </p:seq>
+          </p:childTnLst>
+        </p:cTn>
+      </p:par>
+    </p:tnLst>
+  </p:timing>
 </p:sld>
 </file>
 
 <file path=ppt/slides/slide5.xml><?xml version="1.0" encoding="utf-8"?>
-<p:sld xmlns:a="http://schemas.openxmlformats.org/drawingml/2006/main" xmlns:r="http://schemas.openxmlformats.org/officeDocument/2006/relationships" xmlns:p="http://schemas.openxmlformats.org/presentationml/2006/main">
+<p:sld xmlns:a="http://schemas.openxmlformats.org/drawingml/2006/main" xmlns:p="http://schemas.openxmlformats.org/presentationml/2006/main" xmlns:r="http://schemas.openxmlformats.org/officeDocument/2006/relationships">
   <p:cSld>
     <p:spTree>
       <p:nvGrpSpPr>
@@ -2210,125 +3295,194 @@
       </p:grpSpPr>
       <p:sp>
         <p:nvSpPr>
-          <p:cNvPr id="2" name="1 Título"/>
-          <p:cNvSpPr>
-            <a:spLocks noGrp="1"/>
-          </p:cNvSpPr>
-          <p:nvPr>
-            <p:ph type="title"/>
-          </p:nvPr>
-        </p:nvSpPr>
-        <p:spPr/>
-        <p:txBody>
-          <a:bodyPr/>
-          <a:lstStyle/>
-          <a:p>
-            <a:r>
-              <a:rPr lang="es-ES_tradnl" sz="2400" dirty="0" err="1" smtClean="0"/>
-              <a:t>Exercise</a:t>
-            </a:r>
-            <a:r>
-              <a:rPr lang="es-ES_tradnl" sz="2400" dirty="0" smtClean="0"/>
-              <a:t> 3</a:t>
-            </a:r>
-            <a:endParaRPr lang="en-US" sz="2400" dirty="0"/>
-          </a:p>
-        </p:txBody>
-      </p:sp>
-      <p:sp>
-        <p:nvSpPr>
-          <p:cNvPr id="3" name="2 Subtítulo"/>
-          <p:cNvSpPr>
-            <a:spLocks noGrp="1"/>
-          </p:cNvSpPr>
-          <p:nvPr>
-            <p:ph type="subTitle"/>
-          </p:nvPr>
-        </p:nvSpPr>
-        <p:spPr/>
-        <p:txBody>
-          <a:bodyPr/>
-          <a:lstStyle/>
-          <a:p>
-            <a:r>
-              <a:rPr lang="es-ES_tradnl" dirty="0" smtClean="0"/>
+          <p:cNvPr id="80" name="TextShape 1"/>
+          <p:cNvSpPr txBox="1"/>
+          <p:nvPr/>
+        </p:nvSpPr>
+        <p:spPr>
+          <a:xfrm>
+            <a:off x="457200" y="273600"/>
+            <a:ext cx="8228880" cy="1144800"/>
+          </a:xfrm>
+          <a:prstGeom prst="rect">
+            <a:avLst/>
+          </a:prstGeom>
+        </p:spPr>
+        <p:txBody>
+          <a:bodyPr lIns="0" rIns="0" tIns="0" bIns="0" anchor="ctr"/>
+          <a:p>
+            <a:r>
+              <a:rPr lang="en-US" sz="2400"/>
+              <a:t>Exercise3</a:t>
+            </a:r>
+            <a:endParaRPr/>
+          </a:p>
+        </p:txBody>
+      </p:sp>
+      <p:sp>
+        <p:nvSpPr>
+          <p:cNvPr id="81" name="TextShape 2"/>
+          <p:cNvSpPr txBox="1"/>
+          <p:nvPr/>
+        </p:nvSpPr>
+        <p:spPr>
+          <a:xfrm>
+            <a:off x="457200" y="1604520"/>
+            <a:ext cx="8228880" cy="3977280"/>
+          </a:xfrm>
+          <a:prstGeom prst="rect">
+            <a:avLst/>
+          </a:prstGeom>
+        </p:spPr>
+        <p:txBody>
+          <a:bodyPr lIns="0" rIns="0" tIns="0" bIns="0" anchor="ctr"/>
+          <a:p>
+            <a:pPr algn="ctr"/>
+            <a:r>
+              <a:rPr lang="es-ES"/>
               <a:t>Haz un programa que navegue haciendo la ruta de un cuadrado.</a:t>
             </a:r>
-          </a:p>
-          <a:p>
-            <a:endParaRPr lang="es-ES_tradnl" dirty="0" smtClean="0"/>
-          </a:p>
-          <a:p>
-            <a:pPr lvl="2"/>
-            <a:r>
-              <a:rPr lang="es-ES_tradnl" dirty="0" smtClean="0"/>
+            <a:endParaRPr/>
+          </a:p>
+          <a:p>
+            <a:pPr algn="ctr"/>
+            <a:endParaRPr/>
+          </a:p>
+          <a:p>
+            <a:pPr>
+              <a:lnSpc>
+                <a:spcPct val="100000"/>
+              </a:lnSpc>
+            </a:pPr>
+            <a:r>
+              <a:rPr lang="es-ES"/>
               <a:t>2 rotaciones</a:t>
             </a:r>
-          </a:p>
-          <a:p>
-            <a:pPr lvl="2"/>
-            <a:r>
-              <a:rPr lang="es-ES_tradnl" dirty="0" smtClean="0"/>
+            <a:endParaRPr/>
+          </a:p>
+          <a:p>
+            <a:pPr>
+              <a:lnSpc>
+                <a:spcPct val="100000"/>
+              </a:lnSpc>
+            </a:pPr>
+            <a:r>
+              <a:rPr lang="es-ES"/>
               <a:t>giro 90 grados</a:t>
             </a:r>
-          </a:p>
-          <a:p>
-            <a:pPr lvl="2"/>
-            <a:r>
-              <a:rPr lang="es-ES_tradnl" dirty="0" smtClean="0"/>
+            <a:endParaRPr/>
+          </a:p>
+          <a:p>
+            <a:pPr>
+              <a:lnSpc>
+                <a:spcPct val="100000"/>
+              </a:lnSpc>
+            </a:pPr>
+            <a:r>
+              <a:rPr lang="es-ES"/>
               <a:t>2 rotaciones</a:t>
             </a:r>
-          </a:p>
-          <a:p>
-            <a:pPr lvl="2"/>
-            <a:r>
-              <a:rPr lang="es-ES_tradnl" dirty="0" smtClean="0"/>
+            <a:endParaRPr/>
+          </a:p>
+          <a:p>
+            <a:pPr>
+              <a:lnSpc>
+                <a:spcPct val="100000"/>
+              </a:lnSpc>
+            </a:pPr>
+            <a:r>
+              <a:rPr lang="es-ES"/>
               <a:t>giro 90 grados</a:t>
             </a:r>
-          </a:p>
-          <a:p>
-            <a:pPr lvl="2"/>
-            <a:r>
-              <a:rPr lang="es-ES_tradnl" dirty="0" smtClean="0"/>
+            <a:endParaRPr/>
+          </a:p>
+          <a:p>
+            <a:pPr>
+              <a:lnSpc>
+                <a:spcPct val="100000"/>
+              </a:lnSpc>
+            </a:pPr>
+            <a:r>
+              <a:rPr lang="es-ES"/>
               <a:t>2 rotaciones</a:t>
             </a:r>
-          </a:p>
-          <a:p>
-            <a:pPr lvl="2"/>
-            <a:r>
-              <a:rPr lang="es-ES_tradnl" dirty="0" smtClean="0"/>
+            <a:endParaRPr/>
+          </a:p>
+          <a:p>
+            <a:pPr>
+              <a:lnSpc>
+                <a:spcPct val="100000"/>
+              </a:lnSpc>
+            </a:pPr>
+            <a:r>
+              <a:rPr lang="es-ES"/>
               <a:t>giro 90 grados</a:t>
             </a:r>
-          </a:p>
-          <a:p>
-            <a:pPr lvl="2"/>
-            <a:r>
-              <a:rPr lang="es-ES_tradnl" dirty="0" smtClean="0"/>
+            <a:endParaRPr/>
+          </a:p>
+          <a:p>
+            <a:pPr>
+              <a:lnSpc>
+                <a:spcPct val="100000"/>
+              </a:lnSpc>
+            </a:pPr>
+            <a:r>
+              <a:rPr lang="es-ES"/>
               <a:t>2 rotaciones</a:t>
             </a:r>
-          </a:p>
-          <a:p>
-            <a:pPr lvl="2"/>
-            <a:r>
-              <a:rPr lang="es-ES_tradnl" dirty="0" smtClean="0"/>
+            <a:endParaRPr/>
+          </a:p>
+          <a:p>
+            <a:pPr>
+              <a:lnSpc>
+                <a:spcPct val="100000"/>
+              </a:lnSpc>
+            </a:pPr>
+            <a:r>
+              <a:rPr lang="es-ES"/>
               <a:t>giro 90 grados</a:t>
             </a:r>
-          </a:p>
-          <a:p>
-            <a:endParaRPr lang="en-US" dirty="0"/>
+            <a:endParaRPr/>
+          </a:p>
+          <a:p>
+            <a:pPr>
+              <a:lnSpc>
+                <a:spcPct val="100000"/>
+              </a:lnSpc>
+            </a:pPr>
+            <a:endParaRPr/>
           </a:p>
         </p:txBody>
       </p:sp>
     </p:spTree>
-    <p:extLst>
-      <p:ext uri="{BB962C8B-B14F-4D97-AF65-F5344CB8AC3E}">
-        <p14:creationId xmlns:p14="http://schemas.microsoft.com/office/powerpoint/2010/main" val="1870108391"/>
-      </p:ext>
-    </p:extLst>
   </p:cSld>
-  <p:clrMapOvr>
-    <a:masterClrMapping/>
-  </p:clrMapOvr>
+  <p:timing>
+    <p:tnLst>
+      <p:par>
+        <p:cTn id="9" dur="indefinite" restart="never" nodeType="tmRoot">
+          <p:childTnLst>
+            <p:seq>
+              <p:cTn id="10" nodeType="mainSeq"/>
+              <p:prevCondLst>
+                <p:cond delay="0" evt="onPrev">
+                  <p:tgtEl>
+                    <p:sldTgt/>
+                  </p:tgtEl>
+                </p:cond>
+              </p:prevCondLst>
+              <p:nextCondLst>
+                <p:cond delay="0" evt="onNext">
+                  <p:tgtEl>
+                    <p:sldTgt/>
+                  </p:tgtEl>
+                </p:cond>
+              </p:nextCondLst>
+            </p:seq>
+          </p:childTnLst>
+        </p:cTn>
+      </p:par>
+    </p:tnLst>
+  </p:timing>
 </p:sld>
 </file>
 
@@ -2552,7 +3706,228 @@
       </a:bgFillStyleLst>
     </a:fmtScheme>
   </a:themeElements>
-  <a:objectDefaults/>
-  <a:extraClrSchemeLst/>
+</a:theme>
+</file>
+
+<file path=ppt/theme/theme2.xml><?xml version="1.0" encoding="utf-8"?>
+<a:theme xmlns:a="http://schemas.openxmlformats.org/drawingml/2006/main" name="Office Theme">
+  <a:themeElements>
+    <a:clrScheme name="Office">
+      <a:dk1>
+        <a:sysClr val="windowText" lastClr="000000"/>
+      </a:dk1>
+      <a:lt1>
+        <a:sysClr val="window" lastClr="FFFFFF"/>
+      </a:lt1>
+      <a:dk2>
+        <a:srgbClr val="1F497D"/>
+      </a:dk2>
+      <a:lt2>
+        <a:srgbClr val="EEECE1"/>
+      </a:lt2>
+      <a:accent1>
+        <a:srgbClr val="4F81BD"/>
+      </a:accent1>
+      <a:accent2>
+        <a:srgbClr val="C0504D"/>
+      </a:accent2>
+      <a:accent3>
+        <a:srgbClr val="9BBB59"/>
+      </a:accent3>
+      <a:accent4>
+        <a:srgbClr val="8064A2"/>
+      </a:accent4>
+      <a:accent5>
+        <a:srgbClr val="4BACC6"/>
+      </a:accent5>
+      <a:accent6>
+        <a:srgbClr val="F79646"/>
+      </a:accent6>
+      <a:hlink>
+        <a:srgbClr val="0000FF"/>
+      </a:hlink>
+      <a:folHlink>
+        <a:srgbClr val="800080"/>
+      </a:folHlink>
+    </a:clrScheme>
+    <a:fontScheme name="Office">
+      <a:majorFont>
+        <a:latin typeface="Arial"/>
+        <a:ea typeface="DejaVu Sans"/>
+        <a:cs typeface="DejaVu Sans"/>
+      </a:majorFont>
+      <a:minorFont>
+        <a:latin typeface="Arial"/>
+        <a:ea typeface="DejaVu Sans"/>
+        <a:cs typeface="DejaVu Sans"/>
+      </a:minorFont>
+    </a:fontScheme>
+    <a:fmtScheme name="Office">
+      <a:fillStyleLst>
+        <a:solidFill>
+          <a:schemeClr val="phClr"/>
+        </a:solidFill>
+        <a:gradFill rotWithShape="1">
+          <a:gsLst>
+            <a:gs pos="0">
+              <a:schemeClr val="phClr">
+                <a:tint val="50000"/>
+                <a:satMod val="300000"/>
+              </a:schemeClr>
+            </a:gs>
+            <a:gs pos="35000">
+              <a:schemeClr val="phClr">
+                <a:tint val="37000"/>
+                <a:satMod val="300000"/>
+              </a:schemeClr>
+            </a:gs>
+            <a:gs pos="100000">
+              <a:schemeClr val="phClr">
+                <a:tint val="15000"/>
+                <a:satMod val="350000"/>
+              </a:schemeClr>
+            </a:gs>
+          </a:gsLst>
+          <a:lin ang="16200000" scaled="1"/>
+        </a:gradFill>
+        <a:gradFill rotWithShape="1">
+          <a:gsLst>
+            <a:gs pos="0">
+              <a:schemeClr val="phClr">
+                <a:shade val="51000"/>
+                <a:satMod val="130000"/>
+              </a:schemeClr>
+            </a:gs>
+            <a:gs pos="80000">
+              <a:schemeClr val="phClr">
+                <a:shade val="93000"/>
+                <a:satMod val="130000"/>
+              </a:schemeClr>
+            </a:gs>
+            <a:gs pos="100000">
+              <a:schemeClr val="phClr">
+                <a:shade val="94000"/>
+                <a:satMod val="135000"/>
+              </a:schemeClr>
+            </a:gs>
+          </a:gsLst>
+          <a:lin ang="16200000" scaled="0"/>
+        </a:gradFill>
+      </a:fillStyleLst>
+      <a:lnStyleLst>
+        <a:ln w="9525" cap="flat" cmpd="sng" algn="ctr">
+          <a:solidFill>
+            <a:schemeClr val="phClr">
+              <a:shade val="95000"/>
+              <a:satMod val="105000"/>
+            </a:schemeClr>
+          </a:solidFill>
+          <a:prstDash val="solid"/>
+        </a:ln>
+        <a:ln w="25400" cap="flat" cmpd="sng" algn="ctr">
+          <a:solidFill>
+            <a:schemeClr val="phClr"/>
+          </a:solidFill>
+          <a:prstDash val="solid"/>
+        </a:ln>
+        <a:ln w="38100" cap="flat" cmpd="sng" algn="ctr">
+          <a:solidFill>
+            <a:schemeClr val="phClr"/>
+          </a:solidFill>
+          <a:prstDash val="solid"/>
+        </a:ln>
+      </a:lnStyleLst>
+      <a:effectStyleLst>
+        <a:effectStyle>
+          <a:effectLst>
+            <a:outerShdw blurRad="40000" dist="20000" dir="5400000" rotWithShape="0">
+              <a:srgbClr val="000000">
+                <a:alpha val="38000"/>
+              </a:srgbClr>
+            </a:outerShdw>
+          </a:effectLst>
+        </a:effectStyle>
+        <a:effectStyle>
+          <a:effectLst>
+            <a:outerShdw blurRad="40000" dist="23000" dir="5400000" rotWithShape="0">
+              <a:srgbClr val="000000">
+                <a:alpha val="35000"/>
+              </a:srgbClr>
+            </a:outerShdw>
+          </a:effectLst>
+        </a:effectStyle>
+        <a:effectStyle>
+          <a:effectLst>
+            <a:outerShdw blurRad="40000" dist="23000" dir="5400000" rotWithShape="0">
+              <a:srgbClr val="000000">
+                <a:alpha val="35000"/>
+              </a:srgbClr>
+            </a:outerShdw>
+          </a:effectLst>
+          <a:scene3d>
+            <a:camera prst="orthographicFront">
+              <a:rot lat="0" lon="0" rev="0"/>
+            </a:camera>
+            <a:lightRig rig="threePt" dir="t">
+              <a:rot lat="0" lon="0" rev="1200000"/>
+            </a:lightRig>
+          </a:scene3d>
+          <a:sp3d>
+            <a:bevelT w="63500" h="25400"/>
+          </a:sp3d>
+        </a:effectStyle>
+      </a:effectStyleLst>
+      <a:bgFillStyleLst>
+        <a:solidFill>
+          <a:schemeClr val="phClr"/>
+        </a:solidFill>
+        <a:gradFill rotWithShape="1">
+          <a:gsLst>
+            <a:gs pos="0">
+              <a:schemeClr val="phClr">
+                <a:tint val="40000"/>
+                <a:satMod val="350000"/>
+              </a:schemeClr>
+            </a:gs>
+            <a:gs pos="40000">
+              <a:schemeClr val="phClr">
+                <a:tint val="45000"/>
+                <a:shade val="99000"/>
+                <a:satMod val="350000"/>
+              </a:schemeClr>
+            </a:gs>
+            <a:gs pos="100000">
+              <a:schemeClr val="phClr">
+                <a:shade val="20000"/>
+                <a:satMod val="255000"/>
+              </a:schemeClr>
+            </a:gs>
+          </a:gsLst>
+          <a:path path="circle">
+            <a:fillToRect l="50000" t="-80000" r="50000" b="180000"/>
+          </a:path>
+        </a:gradFill>
+        <a:gradFill rotWithShape="1">
+          <a:gsLst>
+            <a:gs pos="0">
+              <a:schemeClr val="phClr">
+                <a:tint val="80000"/>
+                <a:satMod val="300000"/>
+              </a:schemeClr>
+            </a:gs>
+            <a:gs pos="100000">
+              <a:schemeClr val="phClr">
+                <a:shade val="30000"/>
+                <a:satMod val="200000"/>
+              </a:schemeClr>
+            </a:gs>
+          </a:gsLst>
+          <a:path path="circle">
+            <a:fillToRect l="50000" t="50000" r="50000" b="50000"/>
+          </a:path>
+        </a:gradFill>
+      </a:bgFillStyleLst>
+    </a:fmtScheme>
+  </a:themeElements>
 </a:theme>
 </file>